--- a/MMSEQS.pptx
+++ b/MMSEQS.pptx
@@ -5,7 +5,7 @@
     <p:sldMasterId id="2147483660" r:id="rId4"/>
   </p:sldMasterIdLst>
   <p:notesMasterIdLst>
-    <p:notesMasterId r:id="rId37"/>
+    <p:notesMasterId r:id="rId38"/>
   </p:notesMasterIdLst>
   <p:sldIdLst>
     <p:sldId id="256" r:id="rId5"/>
@@ -15,31 +15,32 @@
     <p:sldId id="270" r:id="rId9"/>
     <p:sldId id="271" r:id="rId10"/>
     <p:sldId id="285" r:id="rId11"/>
-    <p:sldId id="277" r:id="rId12"/>
-    <p:sldId id="268" r:id="rId13"/>
-    <p:sldId id="273" r:id="rId14"/>
-    <p:sldId id="272" r:id="rId15"/>
-    <p:sldId id="288" r:id="rId16"/>
-    <p:sldId id="275" r:id="rId17"/>
-    <p:sldId id="286" r:id="rId18"/>
-    <p:sldId id="287" r:id="rId19"/>
-    <p:sldId id="289" r:id="rId20"/>
-    <p:sldId id="274" r:id="rId21"/>
-    <p:sldId id="290" r:id="rId22"/>
-    <p:sldId id="291" r:id="rId23"/>
-    <p:sldId id="278" r:id="rId24"/>
-    <p:sldId id="279" r:id="rId25"/>
-    <p:sldId id="283" r:id="rId26"/>
-    <p:sldId id="280" r:id="rId27"/>
-    <p:sldId id="281" r:id="rId28"/>
-    <p:sldId id="282" r:id="rId29"/>
-    <p:sldId id="259" r:id="rId30"/>
-    <p:sldId id="260" r:id="rId31"/>
-    <p:sldId id="264" r:id="rId32"/>
-    <p:sldId id="265" r:id="rId33"/>
-    <p:sldId id="267" r:id="rId34"/>
-    <p:sldId id="266" r:id="rId35"/>
-    <p:sldId id="284" r:id="rId36"/>
+    <p:sldId id="292" r:id="rId12"/>
+    <p:sldId id="277" r:id="rId13"/>
+    <p:sldId id="268" r:id="rId14"/>
+    <p:sldId id="273" r:id="rId15"/>
+    <p:sldId id="272" r:id="rId16"/>
+    <p:sldId id="288" r:id="rId17"/>
+    <p:sldId id="275" r:id="rId18"/>
+    <p:sldId id="286" r:id="rId19"/>
+    <p:sldId id="287" r:id="rId20"/>
+    <p:sldId id="289" r:id="rId21"/>
+    <p:sldId id="274" r:id="rId22"/>
+    <p:sldId id="290" r:id="rId23"/>
+    <p:sldId id="291" r:id="rId24"/>
+    <p:sldId id="278" r:id="rId25"/>
+    <p:sldId id="279" r:id="rId26"/>
+    <p:sldId id="283" r:id="rId27"/>
+    <p:sldId id="280" r:id="rId28"/>
+    <p:sldId id="281" r:id="rId29"/>
+    <p:sldId id="282" r:id="rId30"/>
+    <p:sldId id="259" r:id="rId31"/>
+    <p:sldId id="260" r:id="rId32"/>
+    <p:sldId id="264" r:id="rId33"/>
+    <p:sldId id="265" r:id="rId34"/>
+    <p:sldId id="267" r:id="rId35"/>
+    <p:sldId id="266" r:id="rId36"/>
+    <p:sldId id="284" r:id="rId37"/>
   </p:sldIdLst>
   <p:sldSz cx="12192000" cy="6858000"/>
   <p:notesSz cx="6858000" cy="9144000"/>
@@ -150,10 +151,10 @@
 <p1510:revInfo xmlns:a="http://schemas.openxmlformats.org/drawingml/2006/main" xmlns:r="http://schemas.openxmlformats.org/officeDocument/2006/relationships" xmlns:p1510="http://schemas.microsoft.com/office/powerpoint/2015/10/main">
   <p1510:revLst>
     <p1510:client id="{01CC20AB-A09C-43ED-B37B-818429503303}" v="44" dt="2022-05-04T15:57:39.062"/>
-    <p1510:client id="{3E4C226E-50D3-A38D-A8AB-EC41AEDAA40D}" v="696" dt="2022-05-04T20:07:30.761"/>
+    <p1510:client id="{3E4C226E-50D3-A38D-A8AB-EC41AEDAA40D}" v="974" dt="2022-05-05T16:07:55.898"/>
     <p1510:client id="{8FF09898-B016-49A5-A9BF-01AF4DEFB6C3}" v="869" dt="2022-05-04T15:37:16.201"/>
     <p1510:client id="{C75E5574-8A8A-480A-9454-81041FB43080}" v="933" dt="2022-05-04T15:05:16.839"/>
-    <p1510:client id="{E1FAAB42-D431-1044-929B-0A15A631F152}" v="248" dt="2022-05-04T20:42:21.617"/>
+    <p1510:client id="{E1FAAB42-D431-1044-929B-0A15A631F152}" v="249" dt="2022-05-05T16:45:19.517"/>
   </p1510:revLst>
 </p1510:revInfo>
 </file>
@@ -239,7 +240,7 @@
           </a:lstStyle>
           <a:p>
             <a:fld id="{0901B2B3-E16D-47B3-94C1-A5C455C37420}" type="datetimeFigureOut">
-              <a:t>5/4/22</a:t>
+              <a:t>5/5/22</a:t>
             </a:fld>
             <a:endParaRPr lang="en-US"/>
           </a:p>
@@ -772,6 +773,114 @@
 </p:notes>
 </file>
 
+<file path=ppt/notesSlides/notesSlide10.xml><?xml version="1.0" encoding="utf-8"?>
+<p:notes xmlns:a="http://schemas.openxmlformats.org/drawingml/2006/main" xmlns:r="http://schemas.openxmlformats.org/officeDocument/2006/relationships" xmlns:p="http://schemas.openxmlformats.org/presentationml/2006/main">
+  <p:cSld>
+    <p:spTree>
+      <p:nvGrpSpPr>
+        <p:cNvPr id="1" name=""/>
+        <p:cNvGrpSpPr/>
+        <p:nvPr/>
+      </p:nvGrpSpPr>
+      <p:grpSpPr>
+        <a:xfrm>
+          <a:off x="0" y="0"/>
+          <a:ext cx="0" cy="0"/>
+          <a:chOff x="0" y="0"/>
+          <a:chExt cx="0" cy="0"/>
+        </a:xfrm>
+      </p:grpSpPr>
+      <p:sp>
+        <p:nvSpPr>
+          <p:cNvPr id="2" name="Slide Image Placeholder 1"/>
+          <p:cNvSpPr>
+            <a:spLocks noGrp="1" noRot="1" noChangeAspect="1"/>
+          </p:cNvSpPr>
+          <p:nvPr>
+            <p:ph type="sldImg"/>
+          </p:nvPr>
+        </p:nvSpPr>
+        <p:spPr/>
+      </p:sp>
+      <p:sp>
+        <p:nvSpPr>
+          <p:cNvPr id="3" name="Notes Placeholder 2"/>
+          <p:cNvSpPr>
+            <a:spLocks noGrp="1"/>
+          </p:cNvSpPr>
+          <p:nvPr>
+            <p:ph type="body" idx="1"/>
+          </p:nvPr>
+        </p:nvSpPr>
+        <p:spPr/>
+        <p:txBody>
+          <a:bodyPr/>
+          <a:lstStyle/>
+          <a:p>
+            <a:r>
+              <a:rPr lang="en-US"/>
+              <a:t>One is cascade and one is the single step</a:t>
+            </a:r>
+          </a:p>
+          <a:p>
+            <a:r>
+              <a:rPr lang="en-US"/>
+              <a:t>Since its closer to one, they have higher similarity, but some differences</a:t>
+            </a:r>
+          </a:p>
+          <a:p>
+            <a:r>
+              <a:rPr lang="en-US"/>
+              <a:t>	0 is random labeling, no shared info, 1 is if they share perfect labels</a:t>
+            </a:r>
+          </a:p>
+          <a:p>
+            <a:r>
+              <a:rPr lang="en-US"/>
+              <a:t>Same for AMI</a:t>
+            </a:r>
+          </a:p>
+          <a:p>
+            <a:endParaRPr lang="en-US"/>
+          </a:p>
+        </p:txBody>
+      </p:sp>
+      <p:sp>
+        <p:nvSpPr>
+          <p:cNvPr id="4" name="Slide Number Placeholder 3"/>
+          <p:cNvSpPr>
+            <a:spLocks noGrp="1"/>
+          </p:cNvSpPr>
+          <p:nvPr>
+            <p:ph type="sldNum" sz="quarter" idx="5"/>
+          </p:nvPr>
+        </p:nvSpPr>
+        <p:spPr/>
+        <p:txBody>
+          <a:bodyPr/>
+          <a:lstStyle/>
+          <a:p>
+            <a:fld id="{888DB40B-A28E-437B-AD8B-FFABBE3D87BA}" type="slidenum">
+              <a:rPr lang="en-US" smtClean="0"/>
+              <a:t>32</a:t>
+            </a:fld>
+            <a:endParaRPr lang="en-US"/>
+          </a:p>
+        </p:txBody>
+      </p:sp>
+    </p:spTree>
+    <p:extLst>
+      <p:ext uri="{BB962C8B-B14F-4D97-AF65-F5344CB8AC3E}">
+        <p14:creationId xmlns:p14="http://schemas.microsoft.com/office/powerpoint/2010/main" val="738435285"/>
+      </p:ext>
+    </p:extLst>
+  </p:cSld>
+  <p:clrMapOvr>
+    <a:masterClrMapping/>
+  </p:clrMapOvr>
+</p:notes>
+</file>
+
 <file path=ppt/notesSlides/notesSlide2.xml><?xml version="1.0" encoding="utf-8"?>
 <p:notes xmlns:a="http://schemas.openxmlformats.org/drawingml/2006/main" xmlns:r="http://schemas.openxmlformats.org/officeDocument/2006/relationships" xmlns:p="http://schemas.openxmlformats.org/presentationml/2006/main">
   <p:cSld>
@@ -1274,12 +1383,17 @@
           <a:bodyPr/>
           <a:lstStyle/>
           <a:p>
-            <a:r>
-              <a:rPr lang="en-US">
-                <a:cs typeface="Calibri"/>
-              </a:rPr>
-              <a:t>Find a good example</a:t>
-            </a:r>
+            <a:pPr>
+              <a:lnSpc>
+                <a:spcPct val="90000"/>
+              </a:lnSpc>
+              <a:spcBef>
+                <a:spcPts val="1000"/>
+              </a:spcBef>
+            </a:pPr>
+            <a:endParaRPr lang="en-US" dirty="0">
+              <a:cs typeface="Calibri"/>
+            </a:endParaRPr>
           </a:p>
         </p:txBody>
       </p:sp>
@@ -1299,7 +1413,8 @@
           <a:lstStyle/>
           <a:p>
             <a:fld id="{888DB40B-A28E-437B-AD8B-FFABBE3D87BA}" type="slidenum">
-              <a:t>10</a:t>
+              <a:rPr lang="en-US"/>
+              <a:t>8</a:t>
             </a:fld>
             <a:endParaRPr lang="en-US"/>
           </a:p>
@@ -1308,7 +1423,7 @@
     </p:spTree>
     <p:extLst>
       <p:ext uri="{BB962C8B-B14F-4D97-AF65-F5344CB8AC3E}">
-        <p14:creationId xmlns:p14="http://schemas.microsoft.com/office/powerpoint/2010/main" val="3577370353"/>
+        <p14:creationId xmlns:p14="http://schemas.microsoft.com/office/powerpoint/2010/main" val="1652184791"/>
       </p:ext>
     </p:extLst>
   </p:cSld>
@@ -1366,7 +1481,7 @@
               <a:rPr lang="en-US">
                 <a:cs typeface="Calibri"/>
               </a:rPr>
-              <a:t>Add expected index formula</a:t>
+              <a:t>Find a good example</a:t>
             </a:r>
           </a:p>
         </p:txBody>
@@ -1396,7 +1511,7 @@
     </p:spTree>
     <p:extLst>
       <p:ext uri="{BB962C8B-B14F-4D97-AF65-F5344CB8AC3E}">
-        <p14:creationId xmlns:p14="http://schemas.microsoft.com/office/powerpoint/2010/main" val="916522597"/>
+        <p14:creationId xmlns:p14="http://schemas.microsoft.com/office/powerpoint/2010/main" val="3577370353"/>
       </p:ext>
     </p:extLst>
   </p:cSld>
@@ -1451,10 +1566,10 @@
           <a:lstStyle/>
           <a:p>
             <a:r>
-              <a:rPr lang="en-US" dirty="0">
-                <a:cs typeface="Calibri"/>
-              </a:rPr>
-              <a:t>Ack would be the number of data points that are of class c and elements of cluster k</a:t>
+              <a:rPr lang="en-US">
+                <a:cs typeface="Calibri"/>
+              </a:rPr>
+              <a:t>Add expected index formula</a:t>
             </a:r>
           </a:p>
         </p:txBody>
@@ -1475,7 +1590,6 @@
           <a:lstStyle/>
           <a:p>
             <a:fld id="{888DB40B-A28E-437B-AD8B-FFABBE3D87BA}" type="slidenum">
-              <a:rPr lang="en-US"/>
               <a:t>12</a:t>
             </a:fld>
             <a:endParaRPr lang="en-US"/>
@@ -1485,7 +1599,7 @@
     </p:spTree>
     <p:extLst>
       <p:ext uri="{BB962C8B-B14F-4D97-AF65-F5344CB8AC3E}">
-        <p14:creationId xmlns:p14="http://schemas.microsoft.com/office/powerpoint/2010/main" val="682624406"/>
+        <p14:creationId xmlns:p14="http://schemas.microsoft.com/office/powerpoint/2010/main" val="916522597"/>
       </p:ext>
     </p:extLst>
   </p:cSld>
@@ -1540,55 +1654,11 @@
           <a:lstStyle/>
           <a:p>
             <a:r>
-              <a:rPr lang="en-US" dirty="0"/>
-              <a:t>"When all </a:t>
-            </a:r>
-            <a:r>
-              <a:rPr lang="en-US" b="1" dirty="0"/>
-              <a:t>samples in cluster </a:t>
-            </a:r>
-            <a:r>
-              <a:rPr lang="en-US" b="1" i="1" dirty="0"/>
-              <a:t>k</a:t>
-            </a:r>
-            <a:r>
-              <a:rPr lang="en-US" dirty="0"/>
-              <a:t> have the </a:t>
-            </a:r>
-            <a:r>
-              <a:rPr lang="en-US" b="1" dirty="0"/>
-              <a:t>same label </a:t>
-            </a:r>
-            <a:r>
-              <a:rPr lang="en-US" b="1" i="1" dirty="0"/>
-              <a:t>c</a:t>
-            </a:r>
-            <a:r>
-              <a:rPr lang="en-US" dirty="0"/>
-              <a:t>, the </a:t>
-            </a:r>
-            <a:r>
-              <a:rPr lang="en-US" b="1" dirty="0"/>
-              <a:t>homogeneity</a:t>
-            </a:r>
-            <a:r>
-              <a:rPr lang="en-US" dirty="0"/>
-              <a:t> equals </a:t>
-            </a:r>
-            <a:r>
-              <a:rPr lang="en-US" b="1" dirty="0"/>
-              <a:t>1</a:t>
-            </a:r>
-            <a:r>
-              <a:rPr lang="en-US" dirty="0"/>
-              <a:t>."  </a:t>
-            </a:r>
-          </a:p>
-          <a:p>
-            <a:br>
-              <a:rPr lang="en-US" dirty="0"/>
-            </a:br>
-            <a:endParaRPr lang="en-US" dirty="0"/>
+              <a:rPr lang="en-US" dirty="0">
+                <a:cs typeface="Calibri"/>
+              </a:rPr>
+              <a:t>Ack would be the number of data points that are of class c and elements of cluster k</a:t>
+            </a:r>
           </a:p>
         </p:txBody>
       </p:sp>
@@ -1618,7 +1688,7 @@
     </p:spTree>
     <p:extLst>
       <p:ext uri="{BB962C8B-B14F-4D97-AF65-F5344CB8AC3E}">
-        <p14:creationId xmlns:p14="http://schemas.microsoft.com/office/powerpoint/2010/main" val="1773656804"/>
+        <p14:creationId xmlns:p14="http://schemas.microsoft.com/office/powerpoint/2010/main" val="682624406"/>
       </p:ext>
     </p:extLst>
   </p:cSld>
@@ -1674,16 +1744,54 @@
           <a:p>
             <a:r>
               <a:rPr lang="en-US" dirty="0"/>
-              <a:t>probability that an object picked at random falls into both classes Ui and </a:t>
-            </a:r>
-            <a:r>
-              <a:rPr lang="en-US" dirty="0" err="1"/>
-              <a:t>Vj</a:t>
+              <a:t>"When all </a:t>
+            </a:r>
+            <a:r>
+              <a:rPr lang="en-US" b="1" dirty="0"/>
+              <a:t>samples in cluster </a:t>
+            </a:r>
+            <a:r>
+              <a:rPr lang="en-US" b="1" i="1" dirty="0"/>
+              <a:t>k</a:t>
             </a:r>
             <a:r>
               <a:rPr lang="en-US" dirty="0"/>
-              <a:t>.</a:t>
-            </a:r>
+              <a:t> have the </a:t>
+            </a:r>
+            <a:r>
+              <a:rPr lang="en-US" b="1" dirty="0"/>
+              <a:t>same label </a:t>
+            </a:r>
+            <a:r>
+              <a:rPr lang="en-US" b="1" i="1" dirty="0"/>
+              <a:t>c</a:t>
+            </a:r>
+            <a:r>
+              <a:rPr lang="en-US" dirty="0"/>
+              <a:t>, the </a:t>
+            </a:r>
+            <a:r>
+              <a:rPr lang="en-US" b="1" dirty="0"/>
+              <a:t>homogeneity</a:t>
+            </a:r>
+            <a:r>
+              <a:rPr lang="en-US" dirty="0"/>
+              <a:t> equals </a:t>
+            </a:r>
+            <a:r>
+              <a:rPr lang="en-US" b="1" dirty="0"/>
+              <a:t>1</a:t>
+            </a:r>
+            <a:r>
+              <a:rPr lang="en-US" dirty="0"/>
+              <a:t>."  </a:t>
+            </a:r>
+          </a:p>
+          <a:p>
+            <a:br>
+              <a:rPr lang="en-US" dirty="0"/>
+            </a:br>
+            <a:endParaRPr lang="en-US" dirty="0"/>
           </a:p>
         </p:txBody>
       </p:sp>
@@ -1704,7 +1812,7 @@
           <a:p>
             <a:fld id="{888DB40B-A28E-437B-AD8B-FFABBE3D87BA}" type="slidenum">
               <a:rPr lang="en-US"/>
-              <a:t>17</a:t>
+              <a:t>14</a:t>
             </a:fld>
             <a:endParaRPr lang="en-US"/>
           </a:p>
@@ -1713,7 +1821,7 @@
     </p:spTree>
     <p:extLst>
       <p:ext uri="{BB962C8B-B14F-4D97-AF65-F5344CB8AC3E}">
-        <p14:creationId xmlns:p14="http://schemas.microsoft.com/office/powerpoint/2010/main" val="1880414603"/>
+        <p14:creationId xmlns:p14="http://schemas.microsoft.com/office/powerpoint/2010/main" val="1773656804"/>
       </p:ext>
     </p:extLst>
   </p:cSld>
@@ -1768,10 +1876,16 @@
           <a:lstStyle/>
           <a:p>
             <a:r>
-              <a:rPr lang="en-US" dirty="0">
-                <a:cs typeface="Calibri"/>
-              </a:rPr>
-              <a:t>V-measure is the NMI with arithmetic mean option</a:t>
+              <a:rPr lang="en-US" dirty="0"/>
+              <a:t>probability that an object picked at random falls into both classes Ui and </a:t>
+            </a:r>
+            <a:r>
+              <a:rPr lang="en-US" dirty="0" err="1"/>
+              <a:t>Vj</a:t>
+            </a:r>
+            <a:r>
+              <a:rPr lang="en-US" dirty="0"/>
+              <a:t>.</a:t>
             </a:r>
           </a:p>
         </p:txBody>
@@ -1802,7 +1916,7 @@
     </p:spTree>
     <p:extLst>
       <p:ext uri="{BB962C8B-B14F-4D97-AF65-F5344CB8AC3E}">
-        <p14:creationId xmlns:p14="http://schemas.microsoft.com/office/powerpoint/2010/main" val="3982595828"/>
+        <p14:creationId xmlns:p14="http://schemas.microsoft.com/office/powerpoint/2010/main" val="1880414603"/>
       </p:ext>
     </p:extLst>
   </p:cSld>
@@ -1857,30 +1971,11 @@
           <a:lstStyle/>
           <a:p>
             <a:r>
-              <a:rPr lang="en-US"/>
-              <a:t>One is cascade and one is the single step</a:t>
-            </a:r>
-          </a:p>
-          <a:p>
-            <a:r>
-              <a:rPr lang="en-US"/>
-              <a:t>Since its closer to one, they have higher similarity, but some differences</a:t>
-            </a:r>
-          </a:p>
-          <a:p>
-            <a:r>
-              <a:rPr lang="en-US"/>
-              <a:t>	0 is random labeling, no shared info, 1 is if they share perfect labels</a:t>
-            </a:r>
-          </a:p>
-          <a:p>
-            <a:r>
-              <a:rPr lang="en-US"/>
-              <a:t>Same for AMI</a:t>
-            </a:r>
-          </a:p>
-          <a:p>
-            <a:endParaRPr lang="en-US"/>
+              <a:rPr lang="en-US" dirty="0">
+                <a:cs typeface="Calibri"/>
+              </a:rPr>
+              <a:t>V-measure is the NMI with arithmetic mean option</a:t>
+            </a:r>
           </a:p>
         </p:txBody>
       </p:sp>
@@ -1900,8 +1995,8 @@
           <a:lstStyle/>
           <a:p>
             <a:fld id="{888DB40B-A28E-437B-AD8B-FFABBE3D87BA}" type="slidenum">
-              <a:rPr lang="en-US" smtClean="0"/>
-              <a:t>31</a:t>
+              <a:rPr lang="en-US"/>
+              <a:t>19</a:t>
             </a:fld>
             <a:endParaRPr lang="en-US"/>
           </a:p>
@@ -1910,7 +2005,7 @@
     </p:spTree>
     <p:extLst>
       <p:ext uri="{BB962C8B-B14F-4D97-AF65-F5344CB8AC3E}">
-        <p14:creationId xmlns:p14="http://schemas.microsoft.com/office/powerpoint/2010/main" val="738435285"/>
+        <p14:creationId xmlns:p14="http://schemas.microsoft.com/office/powerpoint/2010/main" val="3982595828"/>
       </p:ext>
     </p:extLst>
   </p:cSld>
@@ -2049,7 +2144,7 @@
           <a:p>
             <a:fld id="{846CE7D5-CF57-46EF-B807-FDD0502418D4}" type="datetimeFigureOut">
               <a:rPr lang="en-US" smtClean="0"/>
-              <a:t>5/4/22</a:t>
+              <a:t>5/5/22</a:t>
             </a:fld>
             <a:endParaRPr lang="en-US"/>
           </a:p>
@@ -2217,7 +2312,7 @@
           <a:p>
             <a:fld id="{846CE7D5-CF57-46EF-B807-FDD0502418D4}" type="datetimeFigureOut">
               <a:rPr lang="en-US" smtClean="0"/>
-              <a:t>5/4/22</a:t>
+              <a:t>5/5/22</a:t>
             </a:fld>
             <a:endParaRPr lang="en-US"/>
           </a:p>
@@ -2395,7 +2490,7 @@
           <a:p>
             <a:fld id="{846CE7D5-CF57-46EF-B807-FDD0502418D4}" type="datetimeFigureOut">
               <a:rPr lang="en-US" smtClean="0"/>
-              <a:t>5/4/22</a:t>
+              <a:t>5/5/22</a:t>
             </a:fld>
             <a:endParaRPr lang="en-US"/>
           </a:p>
@@ -2563,7 +2658,7 @@
           <a:p>
             <a:fld id="{846CE7D5-CF57-46EF-B807-FDD0502418D4}" type="datetimeFigureOut">
               <a:rPr lang="en-US" smtClean="0"/>
-              <a:t>5/4/22</a:t>
+              <a:t>5/5/22</a:t>
             </a:fld>
             <a:endParaRPr lang="en-US"/>
           </a:p>
@@ -2808,7 +2903,7 @@
           <a:p>
             <a:fld id="{846CE7D5-CF57-46EF-B807-FDD0502418D4}" type="datetimeFigureOut">
               <a:rPr lang="en-US" smtClean="0"/>
-              <a:t>5/4/22</a:t>
+              <a:t>5/5/22</a:t>
             </a:fld>
             <a:endParaRPr lang="en-US"/>
           </a:p>
@@ -3037,7 +3132,7 @@
           <a:p>
             <a:fld id="{846CE7D5-CF57-46EF-B807-FDD0502418D4}" type="datetimeFigureOut">
               <a:rPr lang="en-US" smtClean="0"/>
-              <a:t>5/4/22</a:t>
+              <a:t>5/5/22</a:t>
             </a:fld>
             <a:endParaRPr lang="en-US"/>
           </a:p>
@@ -3401,7 +3496,7 @@
           <a:p>
             <a:fld id="{846CE7D5-CF57-46EF-B807-FDD0502418D4}" type="datetimeFigureOut">
               <a:rPr lang="en-US" smtClean="0"/>
-              <a:t>5/4/22</a:t>
+              <a:t>5/5/22</a:t>
             </a:fld>
             <a:endParaRPr lang="en-US"/>
           </a:p>
@@ -3518,7 +3613,7 @@
           <a:p>
             <a:fld id="{846CE7D5-CF57-46EF-B807-FDD0502418D4}" type="datetimeFigureOut">
               <a:rPr lang="en-US" smtClean="0"/>
-              <a:t>5/4/22</a:t>
+              <a:t>5/5/22</a:t>
             </a:fld>
             <a:endParaRPr lang="en-US"/>
           </a:p>
@@ -3613,7 +3708,7 @@
           <a:p>
             <a:fld id="{846CE7D5-CF57-46EF-B807-FDD0502418D4}" type="datetimeFigureOut">
               <a:rPr lang="en-US" smtClean="0"/>
-              <a:t>5/4/22</a:t>
+              <a:t>5/5/22</a:t>
             </a:fld>
             <a:endParaRPr lang="en-US"/>
           </a:p>
@@ -3888,7 +3983,7 @@
           <a:p>
             <a:fld id="{846CE7D5-CF57-46EF-B807-FDD0502418D4}" type="datetimeFigureOut">
               <a:rPr lang="en-US" smtClean="0"/>
-              <a:t>5/4/22</a:t>
+              <a:t>5/5/22</a:t>
             </a:fld>
             <a:endParaRPr lang="en-US"/>
           </a:p>
@@ -4143,7 +4238,7 @@
           <a:p>
             <a:fld id="{846CE7D5-CF57-46EF-B807-FDD0502418D4}" type="datetimeFigureOut">
               <a:rPr lang="en-US" smtClean="0"/>
-              <a:t>5/4/22</a:t>
+              <a:t>5/5/22</a:t>
             </a:fld>
             <a:endParaRPr lang="en-US"/>
           </a:p>
@@ -4354,7 +4449,7 @@
           <a:p>
             <a:fld id="{846CE7D5-CF57-46EF-B807-FDD0502418D4}" type="datetimeFigureOut">
               <a:rPr lang="en-US" smtClean="0"/>
-              <a:t>5/4/22</a:t>
+              <a:t>5/5/22</a:t>
             </a:fld>
             <a:endParaRPr lang="en-US"/>
           </a:p>
@@ -4863,6 +4958,276 @@
           <p:cNvPr id="2" name="Title 1">
             <a:extLst>
               <a:ext uri="{FF2B5EF4-FFF2-40B4-BE49-F238E27FC236}">
+                <a16:creationId xmlns:a16="http://schemas.microsoft.com/office/drawing/2014/main" id="{2FA786A8-F646-3323-C453-4CCD433A0C05}"/>
+              </a:ext>
+            </a:extLst>
+          </p:cNvPr>
+          <p:cNvSpPr>
+            <a:spLocks noGrp="1"/>
+          </p:cNvSpPr>
+          <p:nvPr>
+            <p:ph type="title"/>
+          </p:nvPr>
+        </p:nvSpPr>
+        <p:spPr/>
+        <p:txBody>
+          <a:bodyPr/>
+          <a:lstStyle/>
+          <a:p>
+            <a:r>
+              <a:rPr lang="en-US">
+                <a:cs typeface="Calibri Light"/>
+              </a:rPr>
+              <a:t>Clustering Metrics: Rand Index</a:t>
+            </a:r>
+            <a:endParaRPr lang="en-US"/>
+          </a:p>
+        </p:txBody>
+      </p:sp>
+      <p:sp>
+        <p:nvSpPr>
+          <p:cNvPr id="3" name="Content Placeholder 2">
+            <a:extLst>
+              <a:ext uri="{FF2B5EF4-FFF2-40B4-BE49-F238E27FC236}">
+                <a16:creationId xmlns:a16="http://schemas.microsoft.com/office/drawing/2014/main" id="{703E5ABB-A7A9-E7DA-74B2-086787AE1F75}"/>
+              </a:ext>
+            </a:extLst>
+          </p:cNvPr>
+          <p:cNvSpPr>
+            <a:spLocks noGrp="1"/>
+          </p:cNvSpPr>
+          <p:nvPr>
+            <p:ph idx="1"/>
+          </p:nvPr>
+        </p:nvSpPr>
+        <p:spPr>
+          <a:xfrm>
+            <a:off x="838200" y="1825625"/>
+            <a:ext cx="10515600" cy="4612022"/>
+          </a:xfrm>
+        </p:spPr>
+        <p:txBody>
+          <a:bodyPr vert="horz" lIns="91440" tIns="45720" rIns="91440" bIns="45720" rtlCol="0" anchor="t">
+            <a:normAutofit/>
+          </a:bodyPr>
+          <a:lstStyle/>
+          <a:p>
+            <a:pPr marL="457200" indent="-457200"/>
+            <a:r>
+              <a:rPr lang="en-US">
+                <a:cs typeface="Calibri"/>
+              </a:rPr>
+              <a:t>Measures the similarity between two subsets</a:t>
+            </a:r>
+          </a:p>
+          <a:p>
+            <a:pPr marL="457200" indent="-457200"/>
+            <a:r>
+              <a:rPr lang="en-US">
+                <a:cs typeface="Calibri"/>
+              </a:rPr>
+              <a:t>Used to compare labels of </a:t>
+            </a:r>
+            <a:r>
+              <a:rPr lang="en-US" err="1">
+                <a:cs typeface="Calibri"/>
+              </a:rPr>
+              <a:t>clusterings</a:t>
+            </a:r>
+            <a:endParaRPr lang="en-US" err="1">
+              <a:ea typeface="Calibri"/>
+              <a:cs typeface="Calibri"/>
+            </a:endParaRPr>
+          </a:p>
+          <a:p>
+            <a:pPr marL="457200" indent="-457200"/>
+            <a:r>
+              <a:rPr lang="en-US">
+                <a:cs typeface="Calibri"/>
+              </a:rPr>
+              <a:t>Formula:</a:t>
+            </a:r>
+            <a:endParaRPr lang="en-US"/>
+          </a:p>
+          <a:p>
+            <a:pPr lvl="1"/>
+            <a:endParaRPr lang="en-US">
+              <a:cs typeface="Calibri"/>
+            </a:endParaRPr>
+          </a:p>
+          <a:p>
+            <a:pPr marL="457200" lvl="1" indent="0">
+              <a:buNone/>
+            </a:pPr>
+            <a:endParaRPr lang="en-US">
+              <a:cs typeface="Calibri"/>
+            </a:endParaRPr>
+          </a:p>
+          <a:p>
+            <a:pPr marL="457200" lvl="1" indent="0">
+              <a:buNone/>
+            </a:pPr>
+            <a:endParaRPr lang="en-US">
+              <a:cs typeface="Calibri"/>
+            </a:endParaRPr>
+          </a:p>
+          <a:p>
+            <a:pPr marL="457200" lvl="1" indent="0">
+              <a:buNone/>
+            </a:pPr>
+            <a:r>
+              <a:rPr lang="en-US">
+                <a:cs typeface="Calibri"/>
+              </a:rPr>
+              <a:t>Where:</a:t>
+            </a:r>
+            <a:endParaRPr lang="en-US">
+              <a:ea typeface="Calibri"/>
+              <a:cs typeface="Calibri"/>
+            </a:endParaRPr>
+          </a:p>
+          <a:p>
+            <a:pPr lvl="2"/>
+            <a:r>
+              <a:rPr lang="en-US">
+                <a:cs typeface="Calibri"/>
+              </a:rPr>
+              <a:t>a is the number of pairs that are the same in both clusters X and Y  (true positive)</a:t>
+            </a:r>
+            <a:endParaRPr lang="en-US">
+              <a:ea typeface="Calibri"/>
+              <a:cs typeface="Calibri"/>
+            </a:endParaRPr>
+          </a:p>
+          <a:p>
+            <a:pPr lvl="2"/>
+            <a:r>
+              <a:rPr lang="en-US">
+                <a:cs typeface="Calibri"/>
+              </a:rPr>
+              <a:t>b is the number of pairs that are same in both X and Y and of a different cluster than a (true negative)</a:t>
+            </a:r>
+            <a:endParaRPr lang="en-US">
+              <a:ea typeface="Calibri"/>
+              <a:cs typeface="Calibri"/>
+            </a:endParaRPr>
+          </a:p>
+          <a:p>
+            <a:pPr lvl="2"/>
+            <a:r>
+              <a:rPr lang="en-US">
+                <a:cs typeface="Calibri"/>
+              </a:rPr>
+              <a:t>n is the number of samples,          is number of possible pairs</a:t>
+            </a:r>
+            <a:endParaRPr lang="en-US">
+              <a:ea typeface="Calibri"/>
+              <a:cs typeface="Calibri"/>
+            </a:endParaRPr>
+          </a:p>
+          <a:p>
+            <a:pPr lvl="2"/>
+            <a:endParaRPr lang="en-US">
+              <a:cs typeface="Calibri"/>
+            </a:endParaRPr>
+          </a:p>
+        </p:txBody>
+      </p:sp>
+      <p:pic>
+        <p:nvPicPr>
+          <p:cNvPr id="6" name="Picture 6" descr="Text, letter&#10;&#10;Description automatically generated">
+            <a:extLst>
+              <a:ext uri="{FF2B5EF4-FFF2-40B4-BE49-F238E27FC236}">
+                <a16:creationId xmlns:a16="http://schemas.microsoft.com/office/drawing/2014/main" id="{E5EA1D53-1134-95E1-6DAC-2A7A4A60B2DD}"/>
+              </a:ext>
+            </a:extLst>
+          </p:cNvPr>
+          <p:cNvPicPr>
+            <a:picLocks noChangeAspect="1"/>
+          </p:cNvPicPr>
+          <p:nvPr/>
+        </p:nvPicPr>
+        <p:blipFill>
+          <a:blip r:embed="rId2"/>
+          <a:stretch>
+            <a:fillRect/>
+          </a:stretch>
+        </p:blipFill>
+        <p:spPr>
+          <a:xfrm>
+            <a:off x="4976813" y="3652838"/>
+            <a:ext cx="2238375" cy="695325"/>
+          </a:xfrm>
+          <a:prstGeom prst="rect">
+            <a:avLst/>
+          </a:prstGeom>
+        </p:spPr>
+      </p:pic>
+      <p:pic>
+        <p:nvPicPr>
+          <p:cNvPr id="8" name="Picture 8">
+            <a:extLst>
+              <a:ext uri="{FF2B5EF4-FFF2-40B4-BE49-F238E27FC236}">
+                <a16:creationId xmlns:a16="http://schemas.microsoft.com/office/drawing/2014/main" id="{00DAB779-7B71-2B7B-21DC-B79E71103AF2}"/>
+              </a:ext>
+            </a:extLst>
+          </p:cNvPr>
+          <p:cNvPicPr>
+            <a:picLocks noChangeAspect="1"/>
+          </p:cNvPicPr>
+          <p:nvPr/>
+        </p:nvPicPr>
+        <p:blipFill>
+          <a:blip r:embed="rId3"/>
+          <a:stretch>
+            <a:fillRect/>
+          </a:stretch>
+        </p:blipFill>
+        <p:spPr>
+          <a:xfrm>
+            <a:off x="4974055" y="5829801"/>
+            <a:ext cx="419100" cy="552450"/>
+          </a:xfrm>
+          <a:prstGeom prst="rect">
+            <a:avLst/>
+          </a:prstGeom>
+        </p:spPr>
+      </p:pic>
+    </p:spTree>
+    <p:extLst>
+      <p:ext uri="{BB962C8B-B14F-4D97-AF65-F5344CB8AC3E}">
+        <p14:creationId xmlns:p14="http://schemas.microsoft.com/office/powerpoint/2010/main" val="511502785"/>
+      </p:ext>
+    </p:extLst>
+  </p:cSld>
+  <p:clrMapOvr>
+    <a:masterClrMapping/>
+  </p:clrMapOvr>
+</p:sld>
+</file>
+
+<file path=ppt/slides/slide11.xml><?xml version="1.0" encoding="utf-8"?>
+<p:sld xmlns:a="http://schemas.openxmlformats.org/drawingml/2006/main" xmlns:r="http://schemas.openxmlformats.org/officeDocument/2006/relationships" xmlns:p="http://schemas.openxmlformats.org/presentationml/2006/main">
+  <p:cSld>
+    <p:spTree>
+      <p:nvGrpSpPr>
+        <p:cNvPr id="1" name=""/>
+        <p:cNvGrpSpPr/>
+        <p:nvPr/>
+      </p:nvGrpSpPr>
+      <p:grpSpPr>
+        <a:xfrm>
+          <a:off x="0" y="0"/>
+          <a:ext cx="0" cy="0"/>
+          <a:chOff x="0" y="0"/>
+          <a:chExt cx="0" cy="0"/>
+        </a:xfrm>
+      </p:grpSpPr>
+      <p:sp>
+        <p:nvSpPr>
+          <p:cNvPr id="2" name="Title 1">
+            <a:extLst>
+              <a:ext uri="{FF2B5EF4-FFF2-40B4-BE49-F238E27FC236}">
                 <a16:creationId xmlns:a16="http://schemas.microsoft.com/office/drawing/2014/main" id="{C1EC9341-E621-BB05-97BB-5C4073F9E978}"/>
               </a:ext>
             </a:extLst>
@@ -6076,7 +6441,7 @@
 </p:sld>
 </file>
 
-<file path=ppt/slides/slide11.xml><?xml version="1.0" encoding="utf-8"?>
+<file path=ppt/slides/slide12.xml><?xml version="1.0" encoding="utf-8"?>
 <p:sld xmlns:a="http://schemas.openxmlformats.org/drawingml/2006/main" xmlns:r="http://schemas.openxmlformats.org/officeDocument/2006/relationships" xmlns:p="http://schemas.openxmlformats.org/presentationml/2006/main">
   <p:cSld>
     <p:spTree>
@@ -6234,7 +6599,7 @@
 </p:sld>
 </file>
 
-<file path=ppt/slides/slide12.xml><?xml version="1.0" encoding="utf-8"?>
+<file path=ppt/slides/slide13.xml><?xml version="1.0" encoding="utf-8"?>
 <p:sld xmlns:a="http://schemas.openxmlformats.org/drawingml/2006/main" xmlns:r="http://schemas.openxmlformats.org/officeDocument/2006/relationships" xmlns:p="http://schemas.openxmlformats.org/presentationml/2006/main">
   <p:cSld>
     <p:spTree>
@@ -6756,375 +7121,6 @@
 </p:sld>
 </file>
 
-<file path=ppt/slides/slide13.xml><?xml version="1.0" encoding="utf-8"?>
-<p:sld xmlns:a="http://schemas.openxmlformats.org/drawingml/2006/main" xmlns:r="http://schemas.openxmlformats.org/officeDocument/2006/relationships" xmlns:p="http://schemas.openxmlformats.org/presentationml/2006/main">
-  <p:cSld>
-    <p:spTree>
-      <p:nvGrpSpPr>
-        <p:cNvPr id="1" name=""/>
-        <p:cNvGrpSpPr/>
-        <p:nvPr/>
-      </p:nvGrpSpPr>
-      <p:grpSpPr>
-        <a:xfrm>
-          <a:off x="0" y="0"/>
-          <a:ext cx="0" cy="0"/>
-          <a:chOff x="0" y="0"/>
-          <a:chExt cx="0" cy="0"/>
-        </a:xfrm>
-      </p:grpSpPr>
-      <p:sp>
-        <p:nvSpPr>
-          <p:cNvPr id="2" name="Title 1">
-            <a:extLst>
-              <a:ext uri="{FF2B5EF4-FFF2-40B4-BE49-F238E27FC236}">
-                <a16:creationId xmlns:a16="http://schemas.microsoft.com/office/drawing/2014/main" id="{EE50BC29-52E4-6238-2A7F-ED16610453E8}"/>
-              </a:ext>
-            </a:extLst>
-          </p:cNvPr>
-          <p:cNvSpPr>
-            <a:spLocks noGrp="1"/>
-          </p:cNvSpPr>
-          <p:nvPr>
-            <p:ph type="title"/>
-          </p:nvPr>
-        </p:nvSpPr>
-        <p:spPr/>
-        <p:txBody>
-          <a:bodyPr/>
-          <a:lstStyle/>
-          <a:p>
-            <a:r>
-              <a:rPr lang="en-US">
-                <a:cs typeface="Calibri Light"/>
-              </a:rPr>
-              <a:t>Clustering Metrics: Homogeneity</a:t>
-            </a:r>
-            <a:endParaRPr lang="en-US"/>
-          </a:p>
-        </p:txBody>
-      </p:sp>
-      <p:sp>
-        <p:nvSpPr>
-          <p:cNvPr id="3" name="Content Placeholder 2">
-            <a:extLst>
-              <a:ext uri="{FF2B5EF4-FFF2-40B4-BE49-F238E27FC236}">
-                <a16:creationId xmlns:a16="http://schemas.microsoft.com/office/drawing/2014/main" id="{2544683C-B2FF-1B90-5569-39112DC4A21B}"/>
-              </a:ext>
-            </a:extLst>
-          </p:cNvPr>
-          <p:cNvSpPr>
-            <a:spLocks noGrp="1"/>
-          </p:cNvSpPr>
-          <p:nvPr>
-            <p:ph idx="1"/>
-          </p:nvPr>
-        </p:nvSpPr>
-        <p:spPr/>
-        <p:txBody>
-          <a:bodyPr vert="horz" lIns="91440" tIns="45720" rIns="91440" bIns="45720" rtlCol="0" anchor="t">
-            <a:normAutofit/>
-          </a:bodyPr>
-          <a:lstStyle/>
-          <a:p>
-            <a:r>
-              <a:rPr lang="en-US" sz="2000" dirty="0">
-                <a:cs typeface="Calibri"/>
-              </a:rPr>
-              <a:t>Score metric for if the data points in a single cluster are of one class</a:t>
-            </a:r>
-          </a:p>
-          <a:p>
-            <a:r>
-              <a:rPr lang="en-US" sz="2000" dirty="0">
-                <a:cs typeface="Calibri"/>
-              </a:rPr>
-              <a:t>1 if the labels are homogeneous, lower bound of 0</a:t>
-            </a:r>
-          </a:p>
-          <a:p>
-            <a:endParaRPr lang="en-US" sz="2000" dirty="0">
-              <a:cs typeface="Calibri"/>
-            </a:endParaRPr>
-          </a:p>
-          <a:p>
-            <a:r>
-              <a:rPr lang="en-US" sz="2000" dirty="0">
-                <a:cs typeface="Calibri"/>
-              </a:rPr>
-              <a:t>Independent of the content of the labels (swapping the order of two methods results in the same scoring)</a:t>
-            </a:r>
-          </a:p>
-          <a:p>
-            <a:r>
-              <a:rPr lang="en-US" dirty="0">
-                <a:cs typeface="Calibri"/>
-              </a:rPr>
-              <a:t>Examples:</a:t>
-            </a:r>
-          </a:p>
-          <a:p>
-            <a:endParaRPr lang="en-US" dirty="0">
-              <a:cs typeface="Calibri"/>
-            </a:endParaRPr>
-          </a:p>
-        </p:txBody>
-      </p:sp>
-      <p:sp>
-        <p:nvSpPr>
-          <p:cNvPr id="4" name="TextBox 3">
-            <a:extLst>
-              <a:ext uri="{FF2B5EF4-FFF2-40B4-BE49-F238E27FC236}">
-                <a16:creationId xmlns:a16="http://schemas.microsoft.com/office/drawing/2014/main" id="{DB98C58A-35C4-41C9-60AF-D2B1BAF5E01E}"/>
-              </a:ext>
-            </a:extLst>
-          </p:cNvPr>
-          <p:cNvSpPr txBox="1"/>
-          <p:nvPr/>
-        </p:nvSpPr>
-        <p:spPr>
-          <a:xfrm>
-            <a:off x="6326332" y="4196196"/>
-            <a:ext cx="4613561" cy="2585323"/>
-          </a:xfrm>
-          <a:prstGeom prst="rect">
-            <a:avLst/>
-          </a:prstGeom>
-          <a:noFill/>
-        </p:spPr>
-        <p:txBody>
-          <a:bodyPr rot="0" spcFirstLastPara="0" vertOverflow="overflow" horzOverflow="overflow" vert="horz" wrap="square" lIns="91440" tIns="45720" rIns="91440" bIns="45720" numCol="1" spcCol="0" rtlCol="0" fromWordArt="0" anchor="t" anchorCtr="0" forceAA="0" compatLnSpc="1">
-            <a:prstTxWarp prst="textNoShape">
-              <a:avLst/>
-            </a:prstTxWarp>
-            <a:spAutoFit/>
-          </a:bodyPr>
-          <a:lstStyle/>
-          <a:p>
-            <a:r>
-              <a:rPr lang="en-US" dirty="0">
-                <a:cs typeface="Calibri"/>
-              </a:rPr>
-              <a:t>Method 1: { 0, 0, 1, 1}</a:t>
-            </a:r>
-          </a:p>
-          <a:p>
-            <a:r>
-              <a:rPr lang="en-US" dirty="0">
-                <a:cs typeface="Calibri"/>
-              </a:rPr>
-              <a:t>Method 2: { 1, 1, 0, 0}</a:t>
-            </a:r>
-          </a:p>
-          <a:p>
-            <a:pPr algn="ctr"/>
-            <a:r>
-              <a:rPr lang="en-US" dirty="0">
-                <a:cs typeface="Calibri"/>
-              </a:rPr>
-              <a:t>Score: 1</a:t>
-            </a:r>
-          </a:p>
-          <a:p>
-            <a:r>
-              <a:rPr lang="en-US" dirty="0">
-                <a:cs typeface="Calibri"/>
-              </a:rPr>
-              <a:t>Despite the different representative sequence labels, both methods still say sequences A and B are </a:t>
-            </a:r>
-            <a:r>
-              <a:rPr lang="en-US" b="1" dirty="0">
-                <a:cs typeface="Calibri"/>
-              </a:rPr>
-              <a:t>represented by the same sequence</a:t>
-            </a:r>
-            <a:r>
-              <a:rPr lang="en-US" dirty="0">
-                <a:cs typeface="Calibri"/>
-              </a:rPr>
-              <a:t> and sequences C and D are r</a:t>
-            </a:r>
-            <a:r>
-              <a:rPr lang="en-US" b="1" dirty="0">
-                <a:cs typeface="Calibri"/>
-              </a:rPr>
-              <a:t>epresented by the same sequence</a:t>
-            </a:r>
-          </a:p>
-          <a:p>
-            <a:endParaRPr lang="en-US" dirty="0">
-              <a:cs typeface="Calibri"/>
-            </a:endParaRPr>
-          </a:p>
-        </p:txBody>
-      </p:sp>
-      <p:sp>
-        <p:nvSpPr>
-          <p:cNvPr id="5" name="TextBox 4">
-            <a:extLst>
-              <a:ext uri="{FF2B5EF4-FFF2-40B4-BE49-F238E27FC236}">
-                <a16:creationId xmlns:a16="http://schemas.microsoft.com/office/drawing/2014/main" id="{B565B185-2138-62C4-9D65-6D1BB89F8CF2}"/>
-              </a:ext>
-            </a:extLst>
-          </p:cNvPr>
-          <p:cNvSpPr txBox="1"/>
-          <p:nvPr/>
-        </p:nvSpPr>
-        <p:spPr>
-          <a:xfrm>
-            <a:off x="1096241" y="4196195"/>
-            <a:ext cx="3842903" cy="2308324"/>
-          </a:xfrm>
-          <a:prstGeom prst="rect">
-            <a:avLst/>
-          </a:prstGeom>
-          <a:noFill/>
-        </p:spPr>
-        <p:txBody>
-          <a:bodyPr rot="0" spcFirstLastPara="0" vertOverflow="overflow" horzOverflow="overflow" vert="horz" wrap="square" lIns="91440" tIns="45720" rIns="91440" bIns="45720" numCol="1" spcCol="0" rtlCol="0" fromWordArt="0" anchor="t" anchorCtr="0" forceAA="0" compatLnSpc="1">
-            <a:prstTxWarp prst="textNoShape">
-              <a:avLst/>
-            </a:prstTxWarp>
-            <a:spAutoFit/>
-          </a:bodyPr>
-          <a:lstStyle/>
-          <a:p>
-            <a:r>
-              <a:rPr lang="en-US" dirty="0">
-                <a:cs typeface="Calibri"/>
-              </a:rPr>
-              <a:t>Method 1: { 1, 1, 0, 0}</a:t>
-            </a:r>
-          </a:p>
-          <a:p>
-            <a:r>
-              <a:rPr lang="en-US" dirty="0">
-                <a:cs typeface="Calibri"/>
-              </a:rPr>
-              <a:t>Method 2: { 1, 1, 0, 0}</a:t>
-            </a:r>
-          </a:p>
-          <a:p>
-            <a:pPr algn="ctr"/>
-            <a:r>
-              <a:rPr lang="en-US" dirty="0">
-                <a:cs typeface="Calibri"/>
-              </a:rPr>
-              <a:t>Score: 1</a:t>
-            </a:r>
-          </a:p>
-          <a:p>
-            <a:r>
-              <a:rPr lang="en-US" dirty="0">
-                <a:cs typeface="Calibri"/>
-              </a:rPr>
-              <a:t>Both methods are homogeneous:</a:t>
-            </a:r>
-          </a:p>
-          <a:p>
-            <a:r>
-              <a:rPr lang="en-US" dirty="0">
-                <a:cs typeface="Calibri"/>
-              </a:rPr>
-              <a:t>Sequences A and B are represented of the same sequence</a:t>
-            </a:r>
-          </a:p>
-          <a:p>
-            <a:r>
-              <a:rPr lang="en-US" dirty="0">
-                <a:cs typeface="Calibri"/>
-              </a:rPr>
-              <a:t>Sequences C and D are represented with the same sequence</a:t>
-            </a:r>
-          </a:p>
-        </p:txBody>
-      </p:sp>
-      <p:sp>
-        <p:nvSpPr>
-          <p:cNvPr id="6" name="TextBox 5">
-            <a:extLst>
-              <a:ext uri="{FF2B5EF4-FFF2-40B4-BE49-F238E27FC236}">
-                <a16:creationId xmlns:a16="http://schemas.microsoft.com/office/drawing/2014/main" id="{DB1219E6-733D-33DF-33D6-1B79F5D36A0F}"/>
-              </a:ext>
-            </a:extLst>
-          </p:cNvPr>
-          <p:cNvSpPr txBox="1"/>
-          <p:nvPr/>
-        </p:nvSpPr>
-        <p:spPr>
-          <a:xfrm>
-            <a:off x="3828184" y="3698297"/>
-            <a:ext cx="3773630" cy="369332"/>
-          </a:xfrm>
-          <a:prstGeom prst="rect">
-            <a:avLst/>
-          </a:prstGeom>
-          <a:noFill/>
-        </p:spPr>
-        <p:txBody>
-          <a:bodyPr rot="0" spcFirstLastPara="0" vertOverflow="overflow" horzOverflow="overflow" vert="horz" wrap="square" lIns="91440" tIns="45720" rIns="91440" bIns="45720" numCol="1" spcCol="0" rtlCol="0" fromWordArt="0" anchor="t" anchorCtr="0" forceAA="0" compatLnSpc="1">
-            <a:prstTxWarp prst="textNoShape">
-              <a:avLst/>
-            </a:prstTxWarp>
-            <a:spAutoFit/>
-          </a:bodyPr>
-          <a:lstStyle/>
-          <a:p>
-            <a:r>
-              <a:rPr lang="en-US" dirty="0"/>
-              <a:t>Data set: {</a:t>
-            </a:r>
-            <a:r>
-              <a:rPr lang="en-US" dirty="0" err="1"/>
-              <a:t>seqA</a:t>
-            </a:r>
-            <a:r>
-              <a:rPr lang="en-US" dirty="0"/>
-              <a:t>, </a:t>
-            </a:r>
-            <a:r>
-              <a:rPr lang="en-US" dirty="0" err="1"/>
-              <a:t>seqB</a:t>
-            </a:r>
-            <a:r>
-              <a:rPr lang="en-US" dirty="0"/>
-              <a:t>, </a:t>
-            </a:r>
-            <a:r>
-              <a:rPr lang="en-US" dirty="0" err="1"/>
-              <a:t>seqC</a:t>
-            </a:r>
-            <a:r>
-              <a:rPr lang="en-US" dirty="0"/>
-              <a:t>, </a:t>
-            </a:r>
-            <a:r>
-              <a:rPr lang="en-US" dirty="0" err="1"/>
-              <a:t>seqD</a:t>
-            </a:r>
-            <a:r>
-              <a:rPr lang="en-US" dirty="0"/>
-              <a:t>}</a:t>
-            </a:r>
-            <a:endParaRPr lang="en-US" dirty="0">
-              <a:cs typeface="Calibri"/>
-            </a:endParaRPr>
-          </a:p>
-        </p:txBody>
-      </p:sp>
-    </p:spTree>
-    <p:extLst>
-      <p:ext uri="{BB962C8B-B14F-4D97-AF65-F5344CB8AC3E}">
-        <p14:creationId xmlns:p14="http://schemas.microsoft.com/office/powerpoint/2010/main" val="2254294845"/>
-      </p:ext>
-    </p:extLst>
-  </p:cSld>
-  <p:clrMapOvr>
-    <a:masterClrMapping/>
-  </p:clrMapOvr>
-</p:sld>
-</file>
-
 <file path=ppt/slides/slide14.xml><?xml version="1.0" encoding="utf-8"?>
 <p:sld xmlns:a="http://schemas.openxmlformats.org/drawingml/2006/main" xmlns:r="http://schemas.openxmlformats.org/officeDocument/2006/relationships" xmlns:p="http://schemas.openxmlformats.org/presentationml/2006/main">
   <p:cSld>
@@ -7147,6 +7143,375 @@
           <p:cNvPr id="2" name="Title 1">
             <a:extLst>
               <a:ext uri="{FF2B5EF4-FFF2-40B4-BE49-F238E27FC236}">
+                <a16:creationId xmlns:a16="http://schemas.microsoft.com/office/drawing/2014/main" id="{EE50BC29-52E4-6238-2A7F-ED16610453E8}"/>
+              </a:ext>
+            </a:extLst>
+          </p:cNvPr>
+          <p:cNvSpPr>
+            <a:spLocks noGrp="1"/>
+          </p:cNvSpPr>
+          <p:nvPr>
+            <p:ph type="title"/>
+          </p:nvPr>
+        </p:nvSpPr>
+        <p:spPr/>
+        <p:txBody>
+          <a:bodyPr/>
+          <a:lstStyle/>
+          <a:p>
+            <a:r>
+              <a:rPr lang="en-US">
+                <a:cs typeface="Calibri Light"/>
+              </a:rPr>
+              <a:t>Clustering Metrics: Homogeneity</a:t>
+            </a:r>
+            <a:endParaRPr lang="en-US"/>
+          </a:p>
+        </p:txBody>
+      </p:sp>
+      <p:sp>
+        <p:nvSpPr>
+          <p:cNvPr id="3" name="Content Placeholder 2">
+            <a:extLst>
+              <a:ext uri="{FF2B5EF4-FFF2-40B4-BE49-F238E27FC236}">
+                <a16:creationId xmlns:a16="http://schemas.microsoft.com/office/drawing/2014/main" id="{2544683C-B2FF-1B90-5569-39112DC4A21B}"/>
+              </a:ext>
+            </a:extLst>
+          </p:cNvPr>
+          <p:cNvSpPr>
+            <a:spLocks noGrp="1"/>
+          </p:cNvSpPr>
+          <p:nvPr>
+            <p:ph idx="1"/>
+          </p:nvPr>
+        </p:nvSpPr>
+        <p:spPr/>
+        <p:txBody>
+          <a:bodyPr vert="horz" lIns="91440" tIns="45720" rIns="91440" bIns="45720" rtlCol="0" anchor="t">
+            <a:normAutofit/>
+          </a:bodyPr>
+          <a:lstStyle/>
+          <a:p>
+            <a:r>
+              <a:rPr lang="en-US" sz="2000" dirty="0">
+                <a:cs typeface="Calibri"/>
+              </a:rPr>
+              <a:t>Score metric for if the data points in a single cluster are of one class</a:t>
+            </a:r>
+          </a:p>
+          <a:p>
+            <a:r>
+              <a:rPr lang="en-US" sz="2000" dirty="0">
+                <a:cs typeface="Calibri"/>
+              </a:rPr>
+              <a:t>1 if the labels are homogeneous, lower bound of 0</a:t>
+            </a:r>
+          </a:p>
+          <a:p>
+            <a:endParaRPr lang="en-US" sz="2000" dirty="0">
+              <a:cs typeface="Calibri"/>
+            </a:endParaRPr>
+          </a:p>
+          <a:p>
+            <a:r>
+              <a:rPr lang="en-US" sz="2000" dirty="0">
+                <a:cs typeface="Calibri"/>
+              </a:rPr>
+              <a:t>Independent of the content of the labels (swapping the order of two methods results in the same scoring)</a:t>
+            </a:r>
+          </a:p>
+          <a:p>
+            <a:r>
+              <a:rPr lang="en-US" dirty="0">
+                <a:cs typeface="Calibri"/>
+              </a:rPr>
+              <a:t>Examples:</a:t>
+            </a:r>
+          </a:p>
+          <a:p>
+            <a:endParaRPr lang="en-US" dirty="0">
+              <a:cs typeface="Calibri"/>
+            </a:endParaRPr>
+          </a:p>
+        </p:txBody>
+      </p:sp>
+      <p:sp>
+        <p:nvSpPr>
+          <p:cNvPr id="4" name="TextBox 3">
+            <a:extLst>
+              <a:ext uri="{FF2B5EF4-FFF2-40B4-BE49-F238E27FC236}">
+                <a16:creationId xmlns:a16="http://schemas.microsoft.com/office/drawing/2014/main" id="{DB98C58A-35C4-41C9-60AF-D2B1BAF5E01E}"/>
+              </a:ext>
+            </a:extLst>
+          </p:cNvPr>
+          <p:cNvSpPr txBox="1"/>
+          <p:nvPr/>
+        </p:nvSpPr>
+        <p:spPr>
+          <a:xfrm>
+            <a:off x="6326332" y="4196196"/>
+            <a:ext cx="4613561" cy="2585323"/>
+          </a:xfrm>
+          <a:prstGeom prst="rect">
+            <a:avLst/>
+          </a:prstGeom>
+          <a:noFill/>
+        </p:spPr>
+        <p:txBody>
+          <a:bodyPr rot="0" spcFirstLastPara="0" vertOverflow="overflow" horzOverflow="overflow" vert="horz" wrap="square" lIns="91440" tIns="45720" rIns="91440" bIns="45720" numCol="1" spcCol="0" rtlCol="0" fromWordArt="0" anchor="t" anchorCtr="0" forceAA="0" compatLnSpc="1">
+            <a:prstTxWarp prst="textNoShape">
+              <a:avLst/>
+            </a:prstTxWarp>
+            <a:spAutoFit/>
+          </a:bodyPr>
+          <a:lstStyle/>
+          <a:p>
+            <a:r>
+              <a:rPr lang="en-US" dirty="0">
+                <a:cs typeface="Calibri"/>
+              </a:rPr>
+              <a:t>Method 1: { 0, 0, 1, 1}</a:t>
+            </a:r>
+          </a:p>
+          <a:p>
+            <a:r>
+              <a:rPr lang="en-US" dirty="0">
+                <a:cs typeface="Calibri"/>
+              </a:rPr>
+              <a:t>Method 2: { 1, 1, 0, 0}</a:t>
+            </a:r>
+          </a:p>
+          <a:p>
+            <a:pPr algn="ctr"/>
+            <a:r>
+              <a:rPr lang="en-US" dirty="0">
+                <a:cs typeface="Calibri"/>
+              </a:rPr>
+              <a:t>Score: 1</a:t>
+            </a:r>
+          </a:p>
+          <a:p>
+            <a:r>
+              <a:rPr lang="en-US" dirty="0">
+                <a:cs typeface="Calibri"/>
+              </a:rPr>
+              <a:t>Despite the different representative sequence labels, both methods still say sequences A and B are </a:t>
+            </a:r>
+            <a:r>
+              <a:rPr lang="en-US" b="1" dirty="0">
+                <a:cs typeface="Calibri"/>
+              </a:rPr>
+              <a:t>represented by the same sequence</a:t>
+            </a:r>
+            <a:r>
+              <a:rPr lang="en-US" dirty="0">
+                <a:cs typeface="Calibri"/>
+              </a:rPr>
+              <a:t> and sequences C and D are r</a:t>
+            </a:r>
+            <a:r>
+              <a:rPr lang="en-US" b="1" dirty="0">
+                <a:cs typeface="Calibri"/>
+              </a:rPr>
+              <a:t>epresented by the same sequence</a:t>
+            </a:r>
+          </a:p>
+          <a:p>
+            <a:endParaRPr lang="en-US" dirty="0">
+              <a:cs typeface="Calibri"/>
+            </a:endParaRPr>
+          </a:p>
+        </p:txBody>
+      </p:sp>
+      <p:sp>
+        <p:nvSpPr>
+          <p:cNvPr id="5" name="TextBox 4">
+            <a:extLst>
+              <a:ext uri="{FF2B5EF4-FFF2-40B4-BE49-F238E27FC236}">
+                <a16:creationId xmlns:a16="http://schemas.microsoft.com/office/drawing/2014/main" id="{B565B185-2138-62C4-9D65-6D1BB89F8CF2}"/>
+              </a:ext>
+            </a:extLst>
+          </p:cNvPr>
+          <p:cNvSpPr txBox="1"/>
+          <p:nvPr/>
+        </p:nvSpPr>
+        <p:spPr>
+          <a:xfrm>
+            <a:off x="1096241" y="4196195"/>
+            <a:ext cx="3842903" cy="2308324"/>
+          </a:xfrm>
+          <a:prstGeom prst="rect">
+            <a:avLst/>
+          </a:prstGeom>
+          <a:noFill/>
+        </p:spPr>
+        <p:txBody>
+          <a:bodyPr rot="0" spcFirstLastPara="0" vertOverflow="overflow" horzOverflow="overflow" vert="horz" wrap="square" lIns="91440" tIns="45720" rIns="91440" bIns="45720" numCol="1" spcCol="0" rtlCol="0" fromWordArt="0" anchor="t" anchorCtr="0" forceAA="0" compatLnSpc="1">
+            <a:prstTxWarp prst="textNoShape">
+              <a:avLst/>
+            </a:prstTxWarp>
+            <a:spAutoFit/>
+          </a:bodyPr>
+          <a:lstStyle/>
+          <a:p>
+            <a:r>
+              <a:rPr lang="en-US" dirty="0">
+                <a:cs typeface="Calibri"/>
+              </a:rPr>
+              <a:t>Method 1: { 1, 1, 0, 0}</a:t>
+            </a:r>
+          </a:p>
+          <a:p>
+            <a:r>
+              <a:rPr lang="en-US" dirty="0">
+                <a:cs typeface="Calibri"/>
+              </a:rPr>
+              <a:t>Method 2: { 1, 1, 0, 0}</a:t>
+            </a:r>
+          </a:p>
+          <a:p>
+            <a:pPr algn="ctr"/>
+            <a:r>
+              <a:rPr lang="en-US" dirty="0">
+                <a:cs typeface="Calibri"/>
+              </a:rPr>
+              <a:t>Score: 1</a:t>
+            </a:r>
+          </a:p>
+          <a:p>
+            <a:r>
+              <a:rPr lang="en-US" dirty="0">
+                <a:cs typeface="Calibri"/>
+              </a:rPr>
+              <a:t>Both methods are homogeneous:</a:t>
+            </a:r>
+          </a:p>
+          <a:p>
+            <a:r>
+              <a:rPr lang="en-US" dirty="0">
+                <a:cs typeface="Calibri"/>
+              </a:rPr>
+              <a:t>Sequences A and B are represented of the same sequence</a:t>
+            </a:r>
+          </a:p>
+          <a:p>
+            <a:r>
+              <a:rPr lang="en-US" dirty="0">
+                <a:cs typeface="Calibri"/>
+              </a:rPr>
+              <a:t>Sequences C and D are represented with the same sequence</a:t>
+            </a:r>
+          </a:p>
+        </p:txBody>
+      </p:sp>
+      <p:sp>
+        <p:nvSpPr>
+          <p:cNvPr id="6" name="TextBox 5">
+            <a:extLst>
+              <a:ext uri="{FF2B5EF4-FFF2-40B4-BE49-F238E27FC236}">
+                <a16:creationId xmlns:a16="http://schemas.microsoft.com/office/drawing/2014/main" id="{DB1219E6-733D-33DF-33D6-1B79F5D36A0F}"/>
+              </a:ext>
+            </a:extLst>
+          </p:cNvPr>
+          <p:cNvSpPr txBox="1"/>
+          <p:nvPr/>
+        </p:nvSpPr>
+        <p:spPr>
+          <a:xfrm>
+            <a:off x="3828184" y="3698297"/>
+            <a:ext cx="3773630" cy="369332"/>
+          </a:xfrm>
+          <a:prstGeom prst="rect">
+            <a:avLst/>
+          </a:prstGeom>
+          <a:noFill/>
+        </p:spPr>
+        <p:txBody>
+          <a:bodyPr rot="0" spcFirstLastPara="0" vertOverflow="overflow" horzOverflow="overflow" vert="horz" wrap="square" lIns="91440" tIns="45720" rIns="91440" bIns="45720" numCol="1" spcCol="0" rtlCol="0" fromWordArt="0" anchor="t" anchorCtr="0" forceAA="0" compatLnSpc="1">
+            <a:prstTxWarp prst="textNoShape">
+              <a:avLst/>
+            </a:prstTxWarp>
+            <a:spAutoFit/>
+          </a:bodyPr>
+          <a:lstStyle/>
+          <a:p>
+            <a:r>
+              <a:rPr lang="en-US" dirty="0"/>
+              <a:t>Data set: {</a:t>
+            </a:r>
+            <a:r>
+              <a:rPr lang="en-US" dirty="0" err="1"/>
+              <a:t>seqA</a:t>
+            </a:r>
+            <a:r>
+              <a:rPr lang="en-US" dirty="0"/>
+              <a:t>, </a:t>
+            </a:r>
+            <a:r>
+              <a:rPr lang="en-US" dirty="0" err="1"/>
+              <a:t>seqB</a:t>
+            </a:r>
+            <a:r>
+              <a:rPr lang="en-US" dirty="0"/>
+              <a:t>, </a:t>
+            </a:r>
+            <a:r>
+              <a:rPr lang="en-US" dirty="0" err="1"/>
+              <a:t>seqC</a:t>
+            </a:r>
+            <a:r>
+              <a:rPr lang="en-US" dirty="0"/>
+              <a:t>, </a:t>
+            </a:r>
+            <a:r>
+              <a:rPr lang="en-US" dirty="0" err="1"/>
+              <a:t>seqD</a:t>
+            </a:r>
+            <a:r>
+              <a:rPr lang="en-US" dirty="0"/>
+              <a:t>}</a:t>
+            </a:r>
+            <a:endParaRPr lang="en-US" dirty="0">
+              <a:cs typeface="Calibri"/>
+            </a:endParaRPr>
+          </a:p>
+        </p:txBody>
+      </p:sp>
+    </p:spTree>
+    <p:extLst>
+      <p:ext uri="{BB962C8B-B14F-4D97-AF65-F5344CB8AC3E}">
+        <p14:creationId xmlns:p14="http://schemas.microsoft.com/office/powerpoint/2010/main" val="2254294845"/>
+      </p:ext>
+    </p:extLst>
+  </p:cSld>
+  <p:clrMapOvr>
+    <a:masterClrMapping/>
+  </p:clrMapOvr>
+</p:sld>
+</file>
+
+<file path=ppt/slides/slide15.xml><?xml version="1.0" encoding="utf-8"?>
+<p:sld xmlns:a="http://schemas.openxmlformats.org/drawingml/2006/main" xmlns:r="http://schemas.openxmlformats.org/officeDocument/2006/relationships" xmlns:p="http://schemas.openxmlformats.org/presentationml/2006/main">
+  <p:cSld>
+    <p:spTree>
+      <p:nvGrpSpPr>
+        <p:cNvPr id="1" name=""/>
+        <p:cNvGrpSpPr/>
+        <p:nvPr/>
+      </p:nvGrpSpPr>
+      <p:grpSpPr>
+        <a:xfrm>
+          <a:off x="0" y="0"/>
+          <a:ext cx="0" cy="0"/>
+          <a:chOff x="0" y="0"/>
+          <a:chExt cx="0" cy="0"/>
+        </a:xfrm>
+      </p:grpSpPr>
+      <p:sp>
+        <p:nvSpPr>
+          <p:cNvPr id="2" name="Title 1">
+            <a:extLst>
+              <a:ext uri="{FF2B5EF4-FFF2-40B4-BE49-F238E27FC236}">
                 <a16:creationId xmlns:a16="http://schemas.microsoft.com/office/drawing/2014/main" id="{4CF9ABD5-CF59-4F75-30CB-8BE288B63A07}"/>
               </a:ext>
             </a:extLst>
@@ -7467,7 +7832,7 @@
 </p:sld>
 </file>
 
-<file path=ppt/slides/slide15.xml><?xml version="1.0" encoding="utf-8"?>
+<file path=ppt/slides/slide16.xml><?xml version="1.0" encoding="utf-8"?>
 <p:sld xmlns:a="http://schemas.openxmlformats.org/drawingml/2006/main" xmlns:r="http://schemas.openxmlformats.org/officeDocument/2006/relationships" xmlns:p="http://schemas.openxmlformats.org/presentationml/2006/main">
   <p:cSld>
     <p:spTree>
@@ -7812,7 +8177,7 @@
 </p:sld>
 </file>
 
-<file path=ppt/slides/slide16.xml><?xml version="1.0" encoding="utf-8"?>
+<file path=ppt/slides/slide17.xml><?xml version="1.0" encoding="utf-8"?>
 <p:sld xmlns:a="http://schemas.openxmlformats.org/drawingml/2006/main" xmlns:r="http://schemas.openxmlformats.org/officeDocument/2006/relationships" xmlns:p="http://schemas.openxmlformats.org/presentationml/2006/main">
   <p:cSld>
     <p:spTree>
@@ -8158,7 +8523,7 @@
 </p:sld>
 </file>
 
-<file path=ppt/slides/slide17.xml><?xml version="1.0" encoding="utf-8"?>
+<file path=ppt/slides/slide18.xml><?xml version="1.0" encoding="utf-8"?>
 <p:sld xmlns:a="http://schemas.openxmlformats.org/drawingml/2006/main" xmlns:r="http://schemas.openxmlformats.org/officeDocument/2006/relationships" xmlns:p="http://schemas.openxmlformats.org/presentationml/2006/main">
   <p:cSld>
     <p:spTree>
@@ -8477,7 +8842,7 @@
 </p:sld>
 </file>
 
-<file path=ppt/slides/slide18.xml><?xml version="1.0" encoding="utf-8"?>
+<file path=ppt/slides/slide19.xml><?xml version="1.0" encoding="utf-8"?>
 <p:sld xmlns:a="http://schemas.openxmlformats.org/drawingml/2006/main" xmlns:r="http://schemas.openxmlformats.org/officeDocument/2006/relationships" xmlns:p="http://schemas.openxmlformats.org/presentationml/2006/main">
   <p:cSld>
     <p:spTree>
@@ -8696,438 +9061,6 @@
 </p:sld>
 </file>
 
-<file path=ppt/slides/slide19.xml><?xml version="1.0" encoding="utf-8"?>
-<p:sld xmlns:a="http://schemas.openxmlformats.org/drawingml/2006/main" xmlns:r="http://schemas.openxmlformats.org/officeDocument/2006/relationships" xmlns:p="http://schemas.openxmlformats.org/presentationml/2006/main">
-  <p:cSld>
-    <p:spTree>
-      <p:nvGrpSpPr>
-        <p:cNvPr id="1" name=""/>
-        <p:cNvGrpSpPr/>
-        <p:nvPr/>
-      </p:nvGrpSpPr>
-      <p:grpSpPr>
-        <a:xfrm>
-          <a:off x="0" y="0"/>
-          <a:ext cx="0" cy="0"/>
-          <a:chOff x="0" y="0"/>
-          <a:chExt cx="0" cy="0"/>
-        </a:xfrm>
-      </p:grpSpPr>
-      <p:sp>
-        <p:nvSpPr>
-          <p:cNvPr id="2" name="Title 1">
-            <a:extLst>
-              <a:ext uri="{FF2B5EF4-FFF2-40B4-BE49-F238E27FC236}">
-                <a16:creationId xmlns:a16="http://schemas.microsoft.com/office/drawing/2014/main" id="{D1BC6B82-318C-006D-C45F-7618D22AA990}"/>
-              </a:ext>
-            </a:extLst>
-          </p:cNvPr>
-          <p:cNvSpPr>
-            <a:spLocks noGrp="1"/>
-          </p:cNvSpPr>
-          <p:nvPr>
-            <p:ph type="title"/>
-          </p:nvPr>
-        </p:nvSpPr>
-        <p:spPr/>
-        <p:txBody>
-          <a:bodyPr/>
-          <a:lstStyle/>
-          <a:p>
-            <a:r>
-              <a:rPr lang="en-US" dirty="0">
-                <a:cs typeface="Calibri Light"/>
-              </a:rPr>
-              <a:t>Clustering Metrics: Normalized Mutual Info Score</a:t>
-            </a:r>
-            <a:endParaRPr lang="en-US" dirty="0"/>
-          </a:p>
-        </p:txBody>
-      </p:sp>
-      <p:sp>
-        <p:nvSpPr>
-          <p:cNvPr id="3" name="Content Placeholder 2">
-            <a:extLst>
-              <a:ext uri="{FF2B5EF4-FFF2-40B4-BE49-F238E27FC236}">
-                <a16:creationId xmlns:a16="http://schemas.microsoft.com/office/drawing/2014/main" id="{48D9DF13-454F-091D-47A5-AA1F5A525650}"/>
-              </a:ext>
-            </a:extLst>
-          </p:cNvPr>
-          <p:cNvSpPr>
-            <a:spLocks noGrp="1"/>
-          </p:cNvSpPr>
-          <p:nvPr>
-            <p:ph idx="1"/>
-          </p:nvPr>
-        </p:nvSpPr>
-        <p:spPr/>
-        <p:txBody>
-          <a:bodyPr vert="horz" lIns="91440" tIns="45720" rIns="91440" bIns="45720" rtlCol="0" anchor="t">
-            <a:normAutofit/>
-          </a:bodyPr>
-          <a:lstStyle/>
-          <a:p>
-            <a:r>
-              <a:rPr lang="en-US" dirty="0">
-                <a:cs typeface="Calibri"/>
-              </a:rPr>
-              <a:t>Examples:</a:t>
-            </a:r>
-          </a:p>
-          <a:p>
-            <a:endParaRPr lang="en-US" dirty="0">
-              <a:cs typeface="Calibri"/>
-            </a:endParaRPr>
-          </a:p>
-        </p:txBody>
-      </p:sp>
-      <p:sp>
-        <p:nvSpPr>
-          <p:cNvPr id="5" name="TextBox 4">
-            <a:extLst>
-              <a:ext uri="{FF2B5EF4-FFF2-40B4-BE49-F238E27FC236}">
-                <a16:creationId xmlns:a16="http://schemas.microsoft.com/office/drawing/2014/main" id="{A7349E38-9B98-A7C7-3A1D-B58712D92345}"/>
-              </a:ext>
-            </a:extLst>
-          </p:cNvPr>
-          <p:cNvSpPr txBox="1"/>
-          <p:nvPr/>
-        </p:nvSpPr>
-        <p:spPr>
-          <a:xfrm>
-            <a:off x="5126966" y="2769078"/>
-            <a:ext cx="2930105" cy="3416320"/>
-          </a:xfrm>
-          <a:prstGeom prst="rect">
-            <a:avLst/>
-          </a:prstGeom>
-          <a:noFill/>
-        </p:spPr>
-        <p:txBody>
-          <a:bodyPr rot="0" spcFirstLastPara="0" vertOverflow="overflow" horzOverflow="overflow" vert="horz" wrap="square" lIns="91440" tIns="45720" rIns="91440" bIns="45720" numCol="1" spcCol="0" rtlCol="0" fromWordArt="0" anchor="t" anchorCtr="0" forceAA="0" compatLnSpc="1">
-            <a:prstTxWarp prst="textNoShape">
-              <a:avLst/>
-            </a:prstTxWarp>
-            <a:spAutoFit/>
-          </a:bodyPr>
-          <a:lstStyle/>
-          <a:p>
-            <a:r>
-              <a:rPr lang="en-US" dirty="0">
-                <a:cs typeface="Calibri"/>
-              </a:rPr>
-              <a:t>Method 1: [0, 0, 0,  0]</a:t>
-            </a:r>
-          </a:p>
-          <a:p>
-            <a:r>
-              <a:rPr lang="en-US" dirty="0">
-                <a:cs typeface="Calibri"/>
-              </a:rPr>
-              <a:t>Method 2: [0, 1, 2,  3]</a:t>
-            </a:r>
-          </a:p>
-          <a:p>
-            <a:pPr algn="ctr"/>
-            <a:r>
-              <a:rPr lang="en-US" dirty="0">
-                <a:cs typeface="Calibri"/>
-              </a:rPr>
-              <a:t>Score: 0</a:t>
-            </a:r>
-          </a:p>
-          <a:p>
-            <a:r>
-              <a:rPr lang="en-US" dirty="0">
-                <a:cs typeface="Calibri"/>
-              </a:rPr>
-              <a:t>Sequences represented by the label 0 in method 1 are represented by represented by multiple labels in Method 2</a:t>
-            </a:r>
-          </a:p>
-          <a:p>
-            <a:r>
-              <a:rPr lang="en-US" b="1" dirty="0">
-                <a:cs typeface="Calibri"/>
-              </a:rPr>
-              <a:t>Not complete</a:t>
-            </a:r>
-          </a:p>
-          <a:p>
-            <a:r>
-              <a:rPr lang="en-US" b="1" dirty="0">
-                <a:cs typeface="Calibri"/>
-              </a:rPr>
-              <a:t>BUT homogeneous</a:t>
-            </a:r>
-          </a:p>
-          <a:p>
-            <a:endParaRPr lang="en-US" b="1" dirty="0">
-              <a:cs typeface="Calibri"/>
-            </a:endParaRPr>
-          </a:p>
-          <a:p>
-            <a:r>
-              <a:rPr lang="en-US" b="1" dirty="0">
-                <a:cs typeface="Calibri"/>
-              </a:rPr>
-              <a:t>Since c = 0, NMI = 0</a:t>
-            </a:r>
-          </a:p>
-        </p:txBody>
-      </p:sp>
-      <p:sp>
-        <p:nvSpPr>
-          <p:cNvPr id="7" name="TextBox 6">
-            <a:extLst>
-              <a:ext uri="{FF2B5EF4-FFF2-40B4-BE49-F238E27FC236}">
-                <a16:creationId xmlns:a16="http://schemas.microsoft.com/office/drawing/2014/main" id="{70B87DAF-E3ED-8161-521B-0BF7DD73C5BA}"/>
-              </a:ext>
-            </a:extLst>
-          </p:cNvPr>
-          <p:cNvSpPr txBox="1"/>
-          <p:nvPr/>
-        </p:nvSpPr>
-        <p:spPr>
-          <a:xfrm>
-            <a:off x="1877683" y="2769079"/>
-            <a:ext cx="2930105" cy="3139321"/>
-          </a:xfrm>
-          <a:prstGeom prst="rect">
-            <a:avLst/>
-          </a:prstGeom>
-          <a:noFill/>
-        </p:spPr>
-        <p:txBody>
-          <a:bodyPr rot="0" spcFirstLastPara="0" vertOverflow="overflow" horzOverflow="overflow" vert="horz" wrap="square" lIns="91440" tIns="45720" rIns="91440" bIns="45720" numCol="1" spcCol="0" rtlCol="0" fromWordArt="0" anchor="t" anchorCtr="0" forceAA="0" compatLnSpc="1">
-            <a:prstTxWarp prst="textNoShape">
-              <a:avLst/>
-            </a:prstTxWarp>
-            <a:spAutoFit/>
-          </a:bodyPr>
-          <a:lstStyle/>
-          <a:p>
-            <a:r>
-              <a:rPr lang="en-US" dirty="0">
-                <a:cs typeface="Calibri"/>
-              </a:rPr>
-              <a:t>Method 1: [0, 0, 1,  1]</a:t>
-            </a:r>
-          </a:p>
-          <a:p>
-            <a:r>
-              <a:rPr lang="en-US" dirty="0">
-                <a:cs typeface="Calibri"/>
-              </a:rPr>
-              <a:t>Method 2: [1, 1, 0,  0]</a:t>
-            </a:r>
-          </a:p>
-          <a:p>
-            <a:pPr algn="ctr"/>
-            <a:r>
-              <a:rPr lang="en-US" dirty="0">
-                <a:cs typeface="Calibri"/>
-              </a:rPr>
-              <a:t>Score: 1</a:t>
-            </a:r>
-          </a:p>
-          <a:p>
-            <a:r>
-              <a:rPr lang="en-US" dirty="0">
-                <a:cs typeface="Calibri"/>
-              </a:rPr>
-              <a:t>Sequences represented by the label 0 in method 1 are only represented by the label 1 in Method 2</a:t>
-            </a:r>
-          </a:p>
-          <a:p>
-            <a:r>
-              <a:rPr lang="en-US" b="1" dirty="0">
-                <a:cs typeface="Calibri"/>
-              </a:rPr>
-              <a:t>Complete  and homogeneous</a:t>
-            </a:r>
-          </a:p>
-          <a:p>
-            <a:endParaRPr lang="en-US" b="1" dirty="0">
-              <a:cs typeface="Calibri"/>
-            </a:endParaRPr>
-          </a:p>
-          <a:p>
-            <a:r>
-              <a:rPr lang="en-US" b="1" dirty="0">
-                <a:cs typeface="Calibri"/>
-              </a:rPr>
-              <a:t>C = 1, h = 1, NMI = 1</a:t>
-            </a:r>
-          </a:p>
-        </p:txBody>
-      </p:sp>
-      <p:sp>
-        <p:nvSpPr>
-          <p:cNvPr id="9" name="TextBox 8">
-            <a:extLst>
-              <a:ext uri="{FF2B5EF4-FFF2-40B4-BE49-F238E27FC236}">
-                <a16:creationId xmlns:a16="http://schemas.microsoft.com/office/drawing/2014/main" id="{25F97C6F-7D56-4F9C-C70C-A8D8471270FA}"/>
-              </a:ext>
-            </a:extLst>
-          </p:cNvPr>
-          <p:cNvSpPr txBox="1"/>
-          <p:nvPr/>
-        </p:nvSpPr>
-        <p:spPr>
-          <a:xfrm>
-            <a:off x="8448136" y="2711570"/>
-            <a:ext cx="2930105" cy="3139321"/>
-          </a:xfrm>
-          <a:prstGeom prst="rect">
-            <a:avLst/>
-          </a:prstGeom>
-          <a:noFill/>
-        </p:spPr>
-        <p:txBody>
-          <a:bodyPr rot="0" spcFirstLastPara="0" vertOverflow="overflow" horzOverflow="overflow" vert="horz" wrap="square" lIns="91440" tIns="45720" rIns="91440" bIns="45720" numCol="1" spcCol="0" rtlCol="0" fromWordArt="0" anchor="t" anchorCtr="0" forceAA="0" compatLnSpc="1">
-            <a:prstTxWarp prst="textNoShape">
-              <a:avLst/>
-            </a:prstTxWarp>
-            <a:spAutoFit/>
-          </a:bodyPr>
-          <a:lstStyle/>
-          <a:p>
-            <a:r>
-              <a:rPr lang="en-US" dirty="0">
-                <a:cs typeface="Calibri"/>
-              </a:rPr>
-              <a:t>Method 1: [0, 0, 1,  1]</a:t>
-            </a:r>
-          </a:p>
-          <a:p>
-            <a:r>
-              <a:rPr lang="en-US" dirty="0">
-                <a:cs typeface="Calibri"/>
-              </a:rPr>
-              <a:t>Method 2: [0, 0, 1,  2]</a:t>
-            </a:r>
-          </a:p>
-          <a:p>
-            <a:pPr algn="ctr"/>
-            <a:r>
-              <a:rPr lang="en-US" dirty="0">
-                <a:cs typeface="Calibri"/>
-              </a:rPr>
-              <a:t>Score:  About 0.8</a:t>
-            </a:r>
-          </a:p>
-          <a:p>
-            <a:r>
-              <a:rPr lang="en-US" dirty="0">
-                <a:cs typeface="Calibri"/>
-              </a:rPr>
-              <a:t>Homogeneous </a:t>
-            </a:r>
-          </a:p>
-          <a:p>
-            <a:r>
-              <a:rPr lang="en-US" dirty="0">
-                <a:cs typeface="Calibri"/>
-              </a:rPr>
-              <a:t>But not entirely complete</a:t>
-            </a:r>
-          </a:p>
-          <a:p>
-            <a:endParaRPr lang="en-US" dirty="0">
-              <a:cs typeface="Calibri"/>
-            </a:endParaRPr>
-          </a:p>
-          <a:p>
-            <a:r>
-              <a:rPr lang="en-US" dirty="0">
-                <a:cs typeface="Calibri"/>
-              </a:rPr>
-              <a:t>0 &lt; NMI &lt; 1</a:t>
-            </a:r>
-          </a:p>
-          <a:p>
-            <a:endParaRPr lang="en-US" dirty="0">
-              <a:cs typeface="Calibri"/>
-            </a:endParaRPr>
-          </a:p>
-          <a:p>
-            <a:r>
-              <a:rPr lang="en-US" dirty="0">
-                <a:cs typeface="Calibri"/>
-              </a:rPr>
-              <a:t>Thus, un-necessary splits can penalize NMI</a:t>
-            </a:r>
-          </a:p>
-          <a:p>
-            <a:endParaRPr lang="en-US" b="1" dirty="0">
-              <a:cs typeface="Calibri"/>
-            </a:endParaRPr>
-          </a:p>
-        </p:txBody>
-      </p:sp>
-      <p:sp>
-        <p:nvSpPr>
-          <p:cNvPr id="10" name="TextBox 9">
-            <a:extLst>
-              <a:ext uri="{FF2B5EF4-FFF2-40B4-BE49-F238E27FC236}">
-                <a16:creationId xmlns:a16="http://schemas.microsoft.com/office/drawing/2014/main" id="{B958125B-9869-4104-0E25-7CA0FCD339E7}"/>
-              </a:ext>
-            </a:extLst>
-          </p:cNvPr>
-          <p:cNvSpPr txBox="1"/>
-          <p:nvPr/>
-        </p:nvSpPr>
-        <p:spPr>
-          <a:xfrm>
-            <a:off x="7873042" y="5587042"/>
-            <a:ext cx="4080294" cy="1200329"/>
-          </a:xfrm>
-          <a:prstGeom prst="rect">
-            <a:avLst/>
-          </a:prstGeom>
-          <a:noFill/>
-        </p:spPr>
-        <p:txBody>
-          <a:bodyPr rot="0" spcFirstLastPara="0" vertOverflow="overflow" horzOverflow="overflow" vert="horz" wrap="square" lIns="91440" tIns="45720" rIns="91440" bIns="45720" numCol="1" spcCol="0" rtlCol="0" fromWordArt="0" anchor="t" anchorCtr="0" forceAA="0" compatLnSpc="1">
-            <a:prstTxWarp prst="textNoShape">
-              <a:avLst/>
-            </a:prstTxWarp>
-            <a:spAutoFit/>
-          </a:bodyPr>
-          <a:lstStyle/>
-          <a:p>
-            <a:r>
-              <a:rPr lang="en-US" dirty="0">
-                <a:ea typeface="+mn-lt"/>
-                <a:cs typeface="+mn-lt"/>
-                <a:hlinkClick r:id="rId2"/>
-              </a:rPr>
-              <a:t>https://scikit-learn.org/stable/modules/generated/sklearn.metrics.v_measure_score.html#sklearn.metrics.v_measure_score</a:t>
-            </a:r>
-            <a:r>
-              <a:rPr lang="en-US" dirty="0">
-                <a:ea typeface="+mn-lt"/>
-                <a:cs typeface="+mn-lt"/>
-              </a:rPr>
-              <a:t> </a:t>
-            </a:r>
-            <a:endParaRPr lang="en-US"/>
-          </a:p>
-        </p:txBody>
-      </p:sp>
-    </p:spTree>
-    <p:extLst>
-      <p:ext uri="{BB962C8B-B14F-4D97-AF65-F5344CB8AC3E}">
-        <p14:creationId xmlns:p14="http://schemas.microsoft.com/office/powerpoint/2010/main" val="3305126306"/>
-      </p:ext>
-    </p:extLst>
-  </p:cSld>
-  <p:clrMapOvr>
-    <a:masterClrMapping/>
-  </p:clrMapOvr>
-</p:sld>
-</file>
-
 <file path=ppt/slides/slide2.xml><?xml version="1.0" encoding="utf-8"?>
 <p:sld xmlns:a="http://schemas.openxmlformats.org/drawingml/2006/main" xmlns:r="http://schemas.openxmlformats.org/officeDocument/2006/relationships" xmlns:p="http://schemas.openxmlformats.org/presentationml/2006/main">
   <p:cSld>
@@ -9281,7 +9214,7 @@
           <p:cNvPr id="2" name="Title 1">
             <a:extLst>
               <a:ext uri="{FF2B5EF4-FFF2-40B4-BE49-F238E27FC236}">
-                <a16:creationId xmlns:a16="http://schemas.microsoft.com/office/drawing/2014/main" id="{227907C7-E67C-5577-EBB3-A244FECB4836}"/>
+                <a16:creationId xmlns:a16="http://schemas.microsoft.com/office/drawing/2014/main" id="{D1BC6B82-318C-006D-C45F-7618D22AA990}"/>
               </a:ext>
             </a:extLst>
           </p:cNvPr>
@@ -9298,18 +9231,21 @@
           <a:lstStyle/>
           <a:p>
             <a:r>
-              <a:rPr lang="en-US"/>
-              <a:t>Our Method</a:t>
-            </a:r>
-          </a:p>
-        </p:txBody>
-      </p:sp>
-      <p:sp>
-        <p:nvSpPr>
-          <p:cNvPr id="3" name="Text Placeholder 2">
+              <a:rPr lang="en-US" dirty="0">
+                <a:cs typeface="Calibri Light"/>
+              </a:rPr>
+              <a:t>Clustering Metrics: Normalized Mutual Info Score</a:t>
+            </a:r>
+            <a:endParaRPr lang="en-US" dirty="0"/>
+          </a:p>
+        </p:txBody>
+      </p:sp>
+      <p:sp>
+        <p:nvSpPr>
+          <p:cNvPr id="3" name="Content Placeholder 2">
             <a:extLst>
               <a:ext uri="{FF2B5EF4-FFF2-40B4-BE49-F238E27FC236}">
-                <a16:creationId xmlns:a16="http://schemas.microsoft.com/office/drawing/2014/main" id="{DDCB872A-0AFE-C7E6-E40D-CB9C2AB7C3BE}"/>
+                <a16:creationId xmlns:a16="http://schemas.microsoft.com/office/drawing/2014/main" id="{48D9DF13-454F-091D-47A5-AA1F5A525650}"/>
               </a:ext>
             </a:extLst>
           </p:cNvPr>
@@ -9317,14 +9253,360 @@
             <a:spLocks noGrp="1"/>
           </p:cNvSpPr>
           <p:nvPr>
-            <p:ph type="body" idx="1"/>
+            <p:ph idx="1"/>
           </p:nvPr>
         </p:nvSpPr>
         <p:spPr/>
         <p:txBody>
-          <a:bodyPr/>
+          <a:bodyPr vert="horz" lIns="91440" tIns="45720" rIns="91440" bIns="45720" rtlCol="0" anchor="t">
+            <a:normAutofit/>
+          </a:bodyPr>
           <a:lstStyle/>
           <a:p>
+            <a:r>
+              <a:rPr lang="en-US" dirty="0">
+                <a:cs typeface="Calibri"/>
+              </a:rPr>
+              <a:t>Examples:</a:t>
+            </a:r>
+          </a:p>
+          <a:p>
+            <a:endParaRPr lang="en-US" dirty="0">
+              <a:cs typeface="Calibri"/>
+            </a:endParaRPr>
+          </a:p>
+        </p:txBody>
+      </p:sp>
+      <p:sp>
+        <p:nvSpPr>
+          <p:cNvPr id="5" name="TextBox 4">
+            <a:extLst>
+              <a:ext uri="{FF2B5EF4-FFF2-40B4-BE49-F238E27FC236}">
+                <a16:creationId xmlns:a16="http://schemas.microsoft.com/office/drawing/2014/main" id="{A7349E38-9B98-A7C7-3A1D-B58712D92345}"/>
+              </a:ext>
+            </a:extLst>
+          </p:cNvPr>
+          <p:cNvSpPr txBox="1"/>
+          <p:nvPr/>
+        </p:nvSpPr>
+        <p:spPr>
+          <a:xfrm>
+            <a:off x="5126966" y="2769078"/>
+            <a:ext cx="2930105" cy="3416320"/>
+          </a:xfrm>
+          <a:prstGeom prst="rect">
+            <a:avLst/>
+          </a:prstGeom>
+          <a:noFill/>
+        </p:spPr>
+        <p:txBody>
+          <a:bodyPr rot="0" spcFirstLastPara="0" vertOverflow="overflow" horzOverflow="overflow" vert="horz" wrap="square" lIns="91440" tIns="45720" rIns="91440" bIns="45720" numCol="1" spcCol="0" rtlCol="0" fromWordArt="0" anchor="t" anchorCtr="0" forceAA="0" compatLnSpc="1">
+            <a:prstTxWarp prst="textNoShape">
+              <a:avLst/>
+            </a:prstTxWarp>
+            <a:spAutoFit/>
+          </a:bodyPr>
+          <a:lstStyle/>
+          <a:p>
+            <a:r>
+              <a:rPr lang="en-US" dirty="0">
+                <a:cs typeface="Calibri"/>
+              </a:rPr>
+              <a:t>Method 1: [0, 0, 0,  0]</a:t>
+            </a:r>
+          </a:p>
+          <a:p>
+            <a:r>
+              <a:rPr lang="en-US" dirty="0">
+                <a:cs typeface="Calibri"/>
+              </a:rPr>
+              <a:t>Method 2: [0, 1, 2,  3]</a:t>
+            </a:r>
+          </a:p>
+          <a:p>
+            <a:pPr algn="ctr"/>
+            <a:r>
+              <a:rPr lang="en-US" dirty="0">
+                <a:cs typeface="Calibri"/>
+              </a:rPr>
+              <a:t>Score: 0</a:t>
+            </a:r>
+          </a:p>
+          <a:p>
+            <a:r>
+              <a:rPr lang="en-US" dirty="0">
+                <a:cs typeface="Calibri"/>
+              </a:rPr>
+              <a:t>Sequences represented by the label 0 in method 1 are represented by represented by multiple labels in Method 2</a:t>
+            </a:r>
+          </a:p>
+          <a:p>
+            <a:r>
+              <a:rPr lang="en-US" b="1" dirty="0">
+                <a:cs typeface="Calibri"/>
+              </a:rPr>
+              <a:t>Not complete</a:t>
+            </a:r>
+          </a:p>
+          <a:p>
+            <a:r>
+              <a:rPr lang="en-US" b="1" dirty="0">
+                <a:cs typeface="Calibri"/>
+              </a:rPr>
+              <a:t>BUT homogeneous</a:t>
+            </a:r>
+          </a:p>
+          <a:p>
+            <a:endParaRPr lang="en-US" b="1" dirty="0">
+              <a:cs typeface="Calibri"/>
+            </a:endParaRPr>
+          </a:p>
+          <a:p>
+            <a:r>
+              <a:rPr lang="en-US" b="1" dirty="0">
+                <a:cs typeface="Calibri"/>
+              </a:rPr>
+              <a:t>Since c = 0, NMI = 0</a:t>
+            </a:r>
+          </a:p>
+        </p:txBody>
+      </p:sp>
+      <p:sp>
+        <p:nvSpPr>
+          <p:cNvPr id="7" name="TextBox 6">
+            <a:extLst>
+              <a:ext uri="{FF2B5EF4-FFF2-40B4-BE49-F238E27FC236}">
+                <a16:creationId xmlns:a16="http://schemas.microsoft.com/office/drawing/2014/main" id="{70B87DAF-E3ED-8161-521B-0BF7DD73C5BA}"/>
+              </a:ext>
+            </a:extLst>
+          </p:cNvPr>
+          <p:cNvSpPr txBox="1"/>
+          <p:nvPr/>
+        </p:nvSpPr>
+        <p:spPr>
+          <a:xfrm>
+            <a:off x="1877683" y="2769079"/>
+            <a:ext cx="2930105" cy="3139321"/>
+          </a:xfrm>
+          <a:prstGeom prst="rect">
+            <a:avLst/>
+          </a:prstGeom>
+          <a:noFill/>
+        </p:spPr>
+        <p:txBody>
+          <a:bodyPr rot="0" spcFirstLastPara="0" vertOverflow="overflow" horzOverflow="overflow" vert="horz" wrap="square" lIns="91440" tIns="45720" rIns="91440" bIns="45720" numCol="1" spcCol="0" rtlCol="0" fromWordArt="0" anchor="t" anchorCtr="0" forceAA="0" compatLnSpc="1">
+            <a:prstTxWarp prst="textNoShape">
+              <a:avLst/>
+            </a:prstTxWarp>
+            <a:spAutoFit/>
+          </a:bodyPr>
+          <a:lstStyle/>
+          <a:p>
+            <a:r>
+              <a:rPr lang="en-US" dirty="0">
+                <a:cs typeface="Calibri"/>
+              </a:rPr>
+              <a:t>Method 1: [0, 0, 1,  1]</a:t>
+            </a:r>
+          </a:p>
+          <a:p>
+            <a:r>
+              <a:rPr lang="en-US" dirty="0">
+                <a:cs typeface="Calibri"/>
+              </a:rPr>
+              <a:t>Method 2: [1, 1, 0,  0]</a:t>
+            </a:r>
+          </a:p>
+          <a:p>
+            <a:pPr algn="ctr"/>
+            <a:r>
+              <a:rPr lang="en-US" dirty="0">
+                <a:cs typeface="Calibri"/>
+              </a:rPr>
+              <a:t>Score: 1</a:t>
+            </a:r>
+          </a:p>
+          <a:p>
+            <a:r>
+              <a:rPr lang="en-US" dirty="0">
+                <a:cs typeface="Calibri"/>
+              </a:rPr>
+              <a:t>Sequences represented by the label 0 in method 1 are only represented by the label 1 in Method 2</a:t>
+            </a:r>
+          </a:p>
+          <a:p>
+            <a:r>
+              <a:rPr lang="en-US" b="1" dirty="0">
+                <a:cs typeface="Calibri"/>
+              </a:rPr>
+              <a:t>Complete  and homogeneous</a:t>
+            </a:r>
+          </a:p>
+          <a:p>
+            <a:endParaRPr lang="en-US" b="1" dirty="0">
+              <a:cs typeface="Calibri"/>
+            </a:endParaRPr>
+          </a:p>
+          <a:p>
+            <a:r>
+              <a:rPr lang="en-US" b="1" dirty="0">
+                <a:cs typeface="Calibri"/>
+              </a:rPr>
+              <a:t>C = 1, h = 1, NMI = 1</a:t>
+            </a:r>
+          </a:p>
+        </p:txBody>
+      </p:sp>
+      <p:sp>
+        <p:nvSpPr>
+          <p:cNvPr id="9" name="TextBox 8">
+            <a:extLst>
+              <a:ext uri="{FF2B5EF4-FFF2-40B4-BE49-F238E27FC236}">
+                <a16:creationId xmlns:a16="http://schemas.microsoft.com/office/drawing/2014/main" id="{25F97C6F-7D56-4F9C-C70C-A8D8471270FA}"/>
+              </a:ext>
+            </a:extLst>
+          </p:cNvPr>
+          <p:cNvSpPr txBox="1"/>
+          <p:nvPr/>
+        </p:nvSpPr>
+        <p:spPr>
+          <a:xfrm>
+            <a:off x="8448136" y="2711570"/>
+            <a:ext cx="2930105" cy="3139321"/>
+          </a:xfrm>
+          <a:prstGeom prst="rect">
+            <a:avLst/>
+          </a:prstGeom>
+          <a:noFill/>
+        </p:spPr>
+        <p:txBody>
+          <a:bodyPr rot="0" spcFirstLastPara="0" vertOverflow="overflow" horzOverflow="overflow" vert="horz" wrap="square" lIns="91440" tIns="45720" rIns="91440" bIns="45720" numCol="1" spcCol="0" rtlCol="0" fromWordArt="0" anchor="t" anchorCtr="0" forceAA="0" compatLnSpc="1">
+            <a:prstTxWarp prst="textNoShape">
+              <a:avLst/>
+            </a:prstTxWarp>
+            <a:spAutoFit/>
+          </a:bodyPr>
+          <a:lstStyle/>
+          <a:p>
+            <a:r>
+              <a:rPr lang="en-US" dirty="0">
+                <a:cs typeface="Calibri"/>
+              </a:rPr>
+              <a:t>Method 1: [0, 0, 1,  1]</a:t>
+            </a:r>
+          </a:p>
+          <a:p>
+            <a:r>
+              <a:rPr lang="en-US" dirty="0">
+                <a:cs typeface="Calibri"/>
+              </a:rPr>
+              <a:t>Method 2: [0, 0, 1,  2]</a:t>
+            </a:r>
+          </a:p>
+          <a:p>
+            <a:pPr algn="ctr"/>
+            <a:r>
+              <a:rPr lang="en-US" dirty="0">
+                <a:cs typeface="Calibri"/>
+              </a:rPr>
+              <a:t>Score:  About 0.8</a:t>
+            </a:r>
+          </a:p>
+          <a:p>
+            <a:r>
+              <a:rPr lang="en-US" dirty="0">
+                <a:cs typeface="Calibri"/>
+              </a:rPr>
+              <a:t>Homogeneous </a:t>
+            </a:r>
+          </a:p>
+          <a:p>
+            <a:r>
+              <a:rPr lang="en-US" dirty="0">
+                <a:cs typeface="Calibri"/>
+              </a:rPr>
+              <a:t>But not entirely complete</a:t>
+            </a:r>
+          </a:p>
+          <a:p>
+            <a:endParaRPr lang="en-US" dirty="0">
+              <a:cs typeface="Calibri"/>
+            </a:endParaRPr>
+          </a:p>
+          <a:p>
+            <a:r>
+              <a:rPr lang="en-US" dirty="0">
+                <a:cs typeface="Calibri"/>
+              </a:rPr>
+              <a:t>0 &lt; NMI &lt; 1</a:t>
+            </a:r>
+          </a:p>
+          <a:p>
+            <a:endParaRPr lang="en-US" dirty="0">
+              <a:cs typeface="Calibri"/>
+            </a:endParaRPr>
+          </a:p>
+          <a:p>
+            <a:r>
+              <a:rPr lang="en-US" dirty="0">
+                <a:cs typeface="Calibri"/>
+              </a:rPr>
+              <a:t>Thus, un-necessary splits can penalize NMI</a:t>
+            </a:r>
+          </a:p>
+          <a:p>
+            <a:endParaRPr lang="en-US" b="1" dirty="0">
+              <a:cs typeface="Calibri"/>
+            </a:endParaRPr>
+          </a:p>
+        </p:txBody>
+      </p:sp>
+      <p:sp>
+        <p:nvSpPr>
+          <p:cNvPr id="10" name="TextBox 9">
+            <a:extLst>
+              <a:ext uri="{FF2B5EF4-FFF2-40B4-BE49-F238E27FC236}">
+                <a16:creationId xmlns:a16="http://schemas.microsoft.com/office/drawing/2014/main" id="{B958125B-9869-4104-0E25-7CA0FCD339E7}"/>
+              </a:ext>
+            </a:extLst>
+          </p:cNvPr>
+          <p:cNvSpPr txBox="1"/>
+          <p:nvPr/>
+        </p:nvSpPr>
+        <p:spPr>
+          <a:xfrm>
+            <a:off x="7873042" y="5587042"/>
+            <a:ext cx="4080294" cy="1200329"/>
+          </a:xfrm>
+          <a:prstGeom prst="rect">
+            <a:avLst/>
+          </a:prstGeom>
+          <a:noFill/>
+        </p:spPr>
+        <p:txBody>
+          <a:bodyPr rot="0" spcFirstLastPara="0" vertOverflow="overflow" horzOverflow="overflow" vert="horz" wrap="square" lIns="91440" tIns="45720" rIns="91440" bIns="45720" numCol="1" spcCol="0" rtlCol="0" fromWordArt="0" anchor="t" anchorCtr="0" forceAA="0" compatLnSpc="1">
+            <a:prstTxWarp prst="textNoShape">
+              <a:avLst/>
+            </a:prstTxWarp>
+            <a:spAutoFit/>
+          </a:bodyPr>
+          <a:lstStyle/>
+          <a:p>
+            <a:r>
+              <a:rPr lang="en-US" dirty="0">
+                <a:ea typeface="+mn-lt"/>
+                <a:cs typeface="+mn-lt"/>
+                <a:hlinkClick r:id="rId2"/>
+              </a:rPr>
+              <a:t>https://scikit-learn.org/stable/modules/generated/sklearn.metrics.v_measure_score.html#sklearn.metrics.v_measure_score</a:t>
+            </a:r>
+            <a:r>
+              <a:rPr lang="en-US" dirty="0">
+                <a:ea typeface="+mn-lt"/>
+                <a:cs typeface="+mn-lt"/>
+              </a:rPr>
+              <a:t> </a:t>
+            </a:r>
             <a:endParaRPr lang="en-US"/>
           </a:p>
         </p:txBody>
@@ -9332,7 +9614,7 @@
     </p:spTree>
     <p:extLst>
       <p:ext uri="{BB962C8B-B14F-4D97-AF65-F5344CB8AC3E}">
-        <p14:creationId xmlns:p14="http://schemas.microsoft.com/office/powerpoint/2010/main" val="117113356"/>
+        <p14:creationId xmlns:p14="http://schemas.microsoft.com/office/powerpoint/2010/main" val="3305126306"/>
       </p:ext>
     </p:extLst>
   </p:cSld>
@@ -9364,6 +9646,89 @@
           <p:cNvPr id="2" name="Title 1">
             <a:extLst>
               <a:ext uri="{FF2B5EF4-FFF2-40B4-BE49-F238E27FC236}">
+                <a16:creationId xmlns:a16="http://schemas.microsoft.com/office/drawing/2014/main" id="{227907C7-E67C-5577-EBB3-A244FECB4836}"/>
+              </a:ext>
+            </a:extLst>
+          </p:cNvPr>
+          <p:cNvSpPr>
+            <a:spLocks noGrp="1"/>
+          </p:cNvSpPr>
+          <p:nvPr>
+            <p:ph type="title"/>
+          </p:nvPr>
+        </p:nvSpPr>
+        <p:spPr/>
+        <p:txBody>
+          <a:bodyPr/>
+          <a:lstStyle/>
+          <a:p>
+            <a:r>
+              <a:rPr lang="en-US"/>
+              <a:t>Our Method</a:t>
+            </a:r>
+          </a:p>
+        </p:txBody>
+      </p:sp>
+      <p:sp>
+        <p:nvSpPr>
+          <p:cNvPr id="3" name="Text Placeholder 2">
+            <a:extLst>
+              <a:ext uri="{FF2B5EF4-FFF2-40B4-BE49-F238E27FC236}">
+                <a16:creationId xmlns:a16="http://schemas.microsoft.com/office/drawing/2014/main" id="{DDCB872A-0AFE-C7E6-E40D-CB9C2AB7C3BE}"/>
+              </a:ext>
+            </a:extLst>
+          </p:cNvPr>
+          <p:cNvSpPr>
+            <a:spLocks noGrp="1"/>
+          </p:cNvSpPr>
+          <p:nvPr>
+            <p:ph type="body" idx="1"/>
+          </p:nvPr>
+        </p:nvSpPr>
+        <p:spPr/>
+        <p:txBody>
+          <a:bodyPr/>
+          <a:lstStyle/>
+          <a:p>
+            <a:endParaRPr lang="en-US"/>
+          </a:p>
+        </p:txBody>
+      </p:sp>
+    </p:spTree>
+    <p:extLst>
+      <p:ext uri="{BB962C8B-B14F-4D97-AF65-F5344CB8AC3E}">
+        <p14:creationId xmlns:p14="http://schemas.microsoft.com/office/powerpoint/2010/main" val="117113356"/>
+      </p:ext>
+    </p:extLst>
+  </p:cSld>
+  <p:clrMapOvr>
+    <a:masterClrMapping/>
+  </p:clrMapOvr>
+</p:sld>
+</file>
+
+<file path=ppt/slides/slide22.xml><?xml version="1.0" encoding="utf-8"?>
+<p:sld xmlns:a="http://schemas.openxmlformats.org/drawingml/2006/main" xmlns:r="http://schemas.openxmlformats.org/officeDocument/2006/relationships" xmlns:p="http://schemas.openxmlformats.org/presentationml/2006/main">
+  <p:cSld>
+    <p:spTree>
+      <p:nvGrpSpPr>
+        <p:cNvPr id="1" name=""/>
+        <p:cNvGrpSpPr/>
+        <p:nvPr/>
+      </p:nvGrpSpPr>
+      <p:grpSpPr>
+        <a:xfrm>
+          <a:off x="0" y="0"/>
+          <a:ext cx="0" cy="0"/>
+          <a:chOff x="0" y="0"/>
+          <a:chExt cx="0" cy="0"/>
+        </a:xfrm>
+      </p:grpSpPr>
+      <p:sp>
+        <p:nvSpPr>
+          <p:cNvPr id="2" name="Title 1">
+            <a:extLst>
+              <a:ext uri="{FF2B5EF4-FFF2-40B4-BE49-F238E27FC236}">
                 <a16:creationId xmlns:a16="http://schemas.microsoft.com/office/drawing/2014/main" id="{B3F36B51-DEC3-F780-F3DF-D6A90688B258}"/>
               </a:ext>
             </a:extLst>
@@ -9695,7 +10060,7 @@
 </p:sld>
 </file>
 
-<file path=ppt/slides/slide22.xml><?xml version="1.0" encoding="utf-8"?>
+<file path=ppt/slides/slide23.xml><?xml version="1.0" encoding="utf-8"?>
 <p:sld xmlns:a="http://schemas.openxmlformats.org/drawingml/2006/main" xmlns:r="http://schemas.openxmlformats.org/officeDocument/2006/relationships" xmlns:p="http://schemas.openxmlformats.org/presentationml/2006/main">
   <p:cSld>
     <p:spTree>
@@ -9780,7 +10145,7 @@
 </p:sld>
 </file>
 
-<file path=ppt/slides/slide23.xml><?xml version="1.0" encoding="utf-8"?>
+<file path=ppt/slides/slide24.xml><?xml version="1.0" encoding="utf-8"?>
 <p:sld xmlns:a="http://schemas.openxmlformats.org/drawingml/2006/main" xmlns:r="http://schemas.openxmlformats.org/officeDocument/2006/relationships" xmlns:p="http://schemas.openxmlformats.org/presentationml/2006/main">
   <p:cSld>
     <p:spTree>
@@ -9876,7 +10241,7 @@
 </p:sld>
 </file>
 
-<file path=ppt/slides/slide24.xml><?xml version="1.0" encoding="utf-8"?>
+<file path=ppt/slides/slide25.xml><?xml version="1.0" encoding="utf-8"?>
 <p:sld xmlns:a="http://schemas.openxmlformats.org/drawingml/2006/main" xmlns:r="http://schemas.openxmlformats.org/officeDocument/2006/relationships" xmlns:p="http://schemas.openxmlformats.org/presentationml/2006/main">
   <p:cSld>
     <p:spTree>
@@ -9994,7 +10359,7 @@
 </p:sld>
 </file>
 
-<file path=ppt/slides/slide25.xml><?xml version="1.0" encoding="utf-8"?>
+<file path=ppt/slides/slide26.xml><?xml version="1.0" encoding="utf-8"?>
 <p:sld xmlns:a="http://schemas.openxmlformats.org/drawingml/2006/main" xmlns:r="http://schemas.openxmlformats.org/officeDocument/2006/relationships" xmlns:p="http://schemas.openxmlformats.org/presentationml/2006/main">
   <p:cSld>
     <p:spTree>
@@ -10158,7 +10523,7 @@
 </p:sld>
 </file>
 
-<file path=ppt/slides/slide26.xml><?xml version="1.0" encoding="utf-8"?>
+<file path=ppt/slides/slide27.xml><?xml version="1.0" encoding="utf-8"?>
 <p:sld xmlns:a="http://schemas.openxmlformats.org/drawingml/2006/main" xmlns:r="http://schemas.openxmlformats.org/officeDocument/2006/relationships" xmlns:p="http://schemas.openxmlformats.org/presentationml/2006/main">
   <p:cSld>
     <p:spTree>
@@ -10245,7 +10610,7 @@
 </p:sld>
 </file>
 
-<file path=ppt/slides/slide27.xml><?xml version="1.0" encoding="utf-8"?>
+<file path=ppt/slides/slide28.xml><?xml version="1.0" encoding="utf-8"?>
 <p:sld xmlns:a="http://schemas.openxmlformats.org/drawingml/2006/main" xmlns:r="http://schemas.openxmlformats.org/officeDocument/2006/relationships" xmlns:p="http://schemas.openxmlformats.org/presentationml/2006/main">
   <p:cSld>
     <p:spTree>
@@ -10336,7 +10701,7 @@
 </p:sld>
 </file>
 
-<file path=ppt/slides/slide28.xml><?xml version="1.0" encoding="utf-8"?>
+<file path=ppt/slides/slide29.xml><?xml version="1.0" encoding="utf-8"?>
 <p:sld xmlns:a="http://schemas.openxmlformats.org/drawingml/2006/main" xmlns:r="http://schemas.openxmlformats.org/officeDocument/2006/relationships" xmlns:p="http://schemas.openxmlformats.org/presentationml/2006/main">
   <p:cSld>
     <p:spTree>
@@ -10432,7 +10797,129 @@
 </p:sld>
 </file>
 
-<file path=ppt/slides/slide29.xml><?xml version="1.0" encoding="utf-8"?>
+<file path=ppt/slides/slide3.xml><?xml version="1.0" encoding="utf-8"?>
+<p:sld xmlns:a="http://schemas.openxmlformats.org/drawingml/2006/main" xmlns:r="http://schemas.openxmlformats.org/officeDocument/2006/relationships" xmlns:p="http://schemas.openxmlformats.org/presentationml/2006/main">
+  <p:cSld>
+    <p:spTree>
+      <p:nvGrpSpPr>
+        <p:cNvPr id="1" name=""/>
+        <p:cNvGrpSpPr/>
+        <p:nvPr/>
+      </p:nvGrpSpPr>
+      <p:grpSpPr>
+        <a:xfrm>
+          <a:off x="0" y="0"/>
+          <a:ext cx="0" cy="0"/>
+          <a:chOff x="0" y="0"/>
+          <a:chExt cx="0" cy="0"/>
+        </a:xfrm>
+      </p:grpSpPr>
+      <p:sp>
+        <p:nvSpPr>
+          <p:cNvPr id="2" name="Title 1">
+            <a:extLst>
+              <a:ext uri="{FF2B5EF4-FFF2-40B4-BE49-F238E27FC236}">
+                <a16:creationId xmlns:a16="http://schemas.microsoft.com/office/drawing/2014/main" id="{3EB1B868-6F70-EE63-00BD-39496007B2EA}"/>
+              </a:ext>
+            </a:extLst>
+          </p:cNvPr>
+          <p:cNvSpPr>
+            <a:spLocks noGrp="1"/>
+          </p:cNvSpPr>
+          <p:nvPr>
+            <p:ph type="title"/>
+          </p:nvPr>
+        </p:nvSpPr>
+        <p:spPr/>
+        <p:txBody>
+          <a:bodyPr/>
+          <a:lstStyle/>
+          <a:p>
+            <a:r>
+              <a:rPr lang="en-US">
+                <a:ea typeface="Calibri Light"/>
+                <a:cs typeface="Calibri Light"/>
+              </a:rPr>
+              <a:t>Problem Statement</a:t>
+            </a:r>
+            <a:endParaRPr lang="en-US"/>
+          </a:p>
+        </p:txBody>
+      </p:sp>
+      <p:sp>
+        <p:nvSpPr>
+          <p:cNvPr id="3" name="Content Placeholder 2">
+            <a:extLst>
+              <a:ext uri="{FF2B5EF4-FFF2-40B4-BE49-F238E27FC236}">
+                <a16:creationId xmlns:a16="http://schemas.microsoft.com/office/drawing/2014/main" id="{13156EBE-1C71-2353-9EC2-187963FE6E3F}"/>
+              </a:ext>
+            </a:extLst>
+          </p:cNvPr>
+          <p:cNvSpPr>
+            <a:spLocks noGrp="1"/>
+          </p:cNvSpPr>
+          <p:nvPr>
+            <p:ph idx="1"/>
+          </p:nvPr>
+        </p:nvSpPr>
+        <p:spPr/>
+        <p:txBody>
+          <a:bodyPr vert="horz" lIns="91440" tIns="45720" rIns="91440" bIns="45720" rtlCol="0" anchor="t">
+            <a:normAutofit/>
+          </a:bodyPr>
+          <a:lstStyle/>
+          <a:p>
+            <a:r>
+              <a:rPr lang="en-US" dirty="0">
+                <a:ea typeface="Calibri"/>
+                <a:cs typeface="Calibri"/>
+              </a:rPr>
+              <a:t>Compare the results of cascade and single step clustering</a:t>
+            </a:r>
+          </a:p>
+          <a:p>
+            <a:r>
+              <a:rPr lang="en-US" dirty="0">
+                <a:ea typeface="Calibri"/>
+                <a:cs typeface="Calibri"/>
+              </a:rPr>
+              <a:t>Use clustering metrics to do the comparison</a:t>
+            </a:r>
+          </a:p>
+          <a:p>
+            <a:r>
+              <a:rPr lang="en-US" dirty="0">
+                <a:ea typeface="Calibri"/>
+                <a:cs typeface="Calibri"/>
+              </a:rPr>
+              <a:t>Take the cascade clustered results as more correct since it is a more in-depth comparison</a:t>
+            </a:r>
+          </a:p>
+          <a:p>
+            <a:r>
+              <a:rPr lang="en-US" dirty="0">
+                <a:ea typeface="Calibri"/>
+                <a:cs typeface="Calibri"/>
+              </a:rPr>
+              <a:t>We expect the single step results to be further from the truth</a:t>
+            </a:r>
+          </a:p>
+        </p:txBody>
+      </p:sp>
+    </p:spTree>
+    <p:extLst>
+      <p:ext uri="{BB962C8B-B14F-4D97-AF65-F5344CB8AC3E}">
+        <p14:creationId xmlns:p14="http://schemas.microsoft.com/office/powerpoint/2010/main" val="977232275"/>
+      </p:ext>
+    </p:extLst>
+  </p:cSld>
+  <p:clrMapOvr>
+    <a:masterClrMapping/>
+  </p:clrMapOvr>
+</p:sld>
+</file>
+
+<file path=ppt/slides/slide30.xml><?xml version="1.0" encoding="utf-8"?>
 <p:sld xmlns:a="http://schemas.openxmlformats.org/drawingml/2006/main" xmlns:r="http://schemas.openxmlformats.org/officeDocument/2006/relationships" xmlns:p="http://schemas.openxmlformats.org/presentationml/2006/main">
   <p:cSld>
     <p:spTree>
@@ -14364,129 +14851,7 @@
 </p:sld>
 </file>
 
-<file path=ppt/slides/slide3.xml><?xml version="1.0" encoding="utf-8"?>
-<p:sld xmlns:a="http://schemas.openxmlformats.org/drawingml/2006/main" xmlns:r="http://schemas.openxmlformats.org/officeDocument/2006/relationships" xmlns:p="http://schemas.openxmlformats.org/presentationml/2006/main">
-  <p:cSld>
-    <p:spTree>
-      <p:nvGrpSpPr>
-        <p:cNvPr id="1" name=""/>
-        <p:cNvGrpSpPr/>
-        <p:nvPr/>
-      </p:nvGrpSpPr>
-      <p:grpSpPr>
-        <a:xfrm>
-          <a:off x="0" y="0"/>
-          <a:ext cx="0" cy="0"/>
-          <a:chOff x="0" y="0"/>
-          <a:chExt cx="0" cy="0"/>
-        </a:xfrm>
-      </p:grpSpPr>
-      <p:sp>
-        <p:nvSpPr>
-          <p:cNvPr id="2" name="Title 1">
-            <a:extLst>
-              <a:ext uri="{FF2B5EF4-FFF2-40B4-BE49-F238E27FC236}">
-                <a16:creationId xmlns:a16="http://schemas.microsoft.com/office/drawing/2014/main" id="{3EB1B868-6F70-EE63-00BD-39496007B2EA}"/>
-              </a:ext>
-            </a:extLst>
-          </p:cNvPr>
-          <p:cNvSpPr>
-            <a:spLocks noGrp="1"/>
-          </p:cNvSpPr>
-          <p:nvPr>
-            <p:ph type="title"/>
-          </p:nvPr>
-        </p:nvSpPr>
-        <p:spPr/>
-        <p:txBody>
-          <a:bodyPr/>
-          <a:lstStyle/>
-          <a:p>
-            <a:r>
-              <a:rPr lang="en-US">
-                <a:ea typeface="Calibri Light"/>
-                <a:cs typeface="Calibri Light"/>
-              </a:rPr>
-              <a:t>Problem Statement</a:t>
-            </a:r>
-            <a:endParaRPr lang="en-US"/>
-          </a:p>
-        </p:txBody>
-      </p:sp>
-      <p:sp>
-        <p:nvSpPr>
-          <p:cNvPr id="3" name="Content Placeholder 2">
-            <a:extLst>
-              <a:ext uri="{FF2B5EF4-FFF2-40B4-BE49-F238E27FC236}">
-                <a16:creationId xmlns:a16="http://schemas.microsoft.com/office/drawing/2014/main" id="{13156EBE-1C71-2353-9EC2-187963FE6E3F}"/>
-              </a:ext>
-            </a:extLst>
-          </p:cNvPr>
-          <p:cNvSpPr>
-            <a:spLocks noGrp="1"/>
-          </p:cNvSpPr>
-          <p:nvPr>
-            <p:ph idx="1"/>
-          </p:nvPr>
-        </p:nvSpPr>
-        <p:spPr/>
-        <p:txBody>
-          <a:bodyPr vert="horz" lIns="91440" tIns="45720" rIns="91440" bIns="45720" rtlCol="0" anchor="t">
-            <a:normAutofit/>
-          </a:bodyPr>
-          <a:lstStyle/>
-          <a:p>
-            <a:r>
-              <a:rPr lang="en-US" dirty="0">
-                <a:ea typeface="Calibri"/>
-                <a:cs typeface="Calibri"/>
-              </a:rPr>
-              <a:t>Compare the results of cascade and single step clustering</a:t>
-            </a:r>
-          </a:p>
-          <a:p>
-            <a:r>
-              <a:rPr lang="en-US" dirty="0">
-                <a:ea typeface="Calibri"/>
-                <a:cs typeface="Calibri"/>
-              </a:rPr>
-              <a:t>Use clustering metrics to do the comparison</a:t>
-            </a:r>
-          </a:p>
-          <a:p>
-            <a:r>
-              <a:rPr lang="en-US" dirty="0">
-                <a:ea typeface="Calibri"/>
-                <a:cs typeface="Calibri"/>
-              </a:rPr>
-              <a:t>Take the cascade clustered results as more correct since it is a more in-depth comparison</a:t>
-            </a:r>
-          </a:p>
-          <a:p>
-            <a:r>
-              <a:rPr lang="en-US" dirty="0">
-                <a:ea typeface="Calibri"/>
-                <a:cs typeface="Calibri"/>
-              </a:rPr>
-              <a:t>We expect the single step results to be further from the truth</a:t>
-            </a:r>
-          </a:p>
-        </p:txBody>
-      </p:sp>
-    </p:spTree>
-    <p:extLst>
-      <p:ext uri="{BB962C8B-B14F-4D97-AF65-F5344CB8AC3E}">
-        <p14:creationId xmlns:p14="http://schemas.microsoft.com/office/powerpoint/2010/main" val="977232275"/>
-      </p:ext>
-    </p:extLst>
-  </p:cSld>
-  <p:clrMapOvr>
-    <a:masterClrMapping/>
-  </p:clrMapOvr>
-</p:sld>
-</file>
-
-<file path=ppt/slides/slide30.xml><?xml version="1.0" encoding="utf-8"?>
+<file path=ppt/slides/slide31.xml><?xml version="1.0" encoding="utf-8"?>
 <p:sld xmlns:a="http://schemas.openxmlformats.org/drawingml/2006/main" xmlns:r="http://schemas.openxmlformats.org/officeDocument/2006/relationships" xmlns:p="http://schemas.openxmlformats.org/presentationml/2006/main">
   <p:cSld>
     <p:spTree>
@@ -14585,7 +14950,7 @@
 </p:sld>
 </file>
 
-<file path=ppt/slides/slide31.xml><?xml version="1.0" encoding="utf-8"?>
+<file path=ppt/slides/slide32.xml><?xml version="1.0" encoding="utf-8"?>
 <p:sld xmlns:a="http://schemas.openxmlformats.org/drawingml/2006/main" xmlns:r="http://schemas.openxmlformats.org/officeDocument/2006/relationships" xmlns:p="http://schemas.openxmlformats.org/presentationml/2006/main">
   <p:cSld>
     <p:spTree>
@@ -14765,7 +15130,7 @@
 </p:sld>
 </file>
 
-<file path=ppt/slides/slide32.xml><?xml version="1.0" encoding="utf-8"?>
+<file path=ppt/slides/slide33.xml><?xml version="1.0" encoding="utf-8"?>
 <p:sld xmlns:a="http://schemas.openxmlformats.org/drawingml/2006/main" xmlns:r="http://schemas.openxmlformats.org/officeDocument/2006/relationships" xmlns:p="http://schemas.openxmlformats.org/presentationml/2006/main">
   <p:cSld>
     <p:spTree>
@@ -14977,7 +15342,7 @@
         <p:spPr/>
         <p:txBody>
           <a:bodyPr vert="horz" lIns="91440" tIns="45720" rIns="91440" bIns="45720" rtlCol="0" anchor="t">
-            <a:normAutofit fontScale="92500" lnSpcReduction="10000"/>
+            <a:normAutofit fontScale="85000" lnSpcReduction="10000"/>
           </a:bodyPr>
           <a:lstStyle/>
           <a:p>
@@ -15032,12 +15397,44 @@
               </a:lnSpc>
             </a:pPr>
             <a:r>
+              <a:rPr lang="en-US" dirty="0">
+                <a:ea typeface="+mn-lt"/>
+                <a:cs typeface="+mn-lt"/>
+              </a:rPr>
+              <a:t>Cluster 1.6 billion metagenomic sequence fragments in 10 h on a single server </a:t>
+            </a:r>
+            <a:r>
               <a:rPr lang="en-US">
                 <a:ea typeface="+mn-lt"/>
                 <a:cs typeface="+mn-lt"/>
               </a:rPr>
-              <a:t>MMseqs2 owes its sensitivity and speed mainly to its pre-filtering stage, which rejects ∼99.99% of sequences</a:t>
-            </a:r>
+              <a:t>to </a:t>
+            </a:r>
+            <a:r>
+              <a:rPr lang="en-US" dirty="0">
+                <a:ea typeface="+mn-lt"/>
+                <a:cs typeface="+mn-lt"/>
+              </a:rPr>
+              <a:t>50</a:t>
+            </a:r>
+            <a:r>
+              <a:rPr lang="en-US">
+                <a:ea typeface="+mn-lt"/>
+                <a:cs typeface="+mn-lt"/>
+              </a:rPr>
+              <a:t>% </a:t>
+            </a:r>
+            <a:r>
+              <a:rPr lang="en-US" dirty="0">
+                <a:ea typeface="+mn-lt"/>
+                <a:cs typeface="+mn-lt"/>
+              </a:rPr>
+              <a:t>sequence identity, &gt;1000 times faster than has been possible before</a:t>
+            </a:r>
+            <a:endParaRPr lang="en-US">
+              <a:ea typeface="+mn-lt"/>
+              <a:cs typeface="+mn-lt"/>
+            </a:endParaRPr>
           </a:p>
         </p:txBody>
       </p:sp>
@@ -15103,7 +15500,19 @@
               <a:rPr lang="en-US" sz="3600">
                 <a:cs typeface="Calibri Light"/>
               </a:rPr>
-              <a:t>MMSeq2 Algorithm</a:t>
+              <a:t>MMSeq2 </a:t>
+            </a:r>
+            <a:r>
+              <a:rPr lang="en-US" sz="3600" dirty="0">
+                <a:cs typeface="Calibri Light"/>
+              </a:rPr>
+              <a:t>Sequence Searching </a:t>
+            </a:r>
+            <a:r>
+              <a:rPr lang="en-US" sz="3600">
+                <a:cs typeface="Calibri Light"/>
+              </a:rPr>
+              <a:t>Algorithm</a:t>
             </a:r>
           </a:p>
         </p:txBody>
@@ -15419,7 +15828,19 @@
               <a:rPr lang="en-US" sz="3600">
                 <a:cs typeface="Calibri Light"/>
               </a:rPr>
-              <a:t>MMSeq2 Algorithm – Pre filter step</a:t>
+              <a:t>MMSeq2 </a:t>
+            </a:r>
+            <a:r>
+              <a:rPr lang="en-US" sz="3600" dirty="0">
+                <a:cs typeface="Calibri Light"/>
+              </a:rPr>
+              <a:t>Search </a:t>
+            </a:r>
+            <a:r>
+              <a:rPr lang="en-US" sz="3600">
+                <a:cs typeface="Calibri Light"/>
+              </a:rPr>
+              <a:t>Algorithm – Pre filter step</a:t>
             </a:r>
           </a:p>
         </p:txBody>
@@ -15693,6 +16114,673 @@
           <p:cNvPr id="2" name="Title 1">
             <a:extLst>
               <a:ext uri="{FF2B5EF4-FFF2-40B4-BE49-F238E27FC236}">
+                <a16:creationId xmlns:a16="http://schemas.microsoft.com/office/drawing/2014/main" id="{3EB1B868-6F70-EE63-00BD-39496007B2EA}"/>
+              </a:ext>
+            </a:extLst>
+          </p:cNvPr>
+          <p:cNvSpPr>
+            <a:spLocks noGrp="1"/>
+          </p:cNvSpPr>
+          <p:nvPr>
+            <p:ph type="title"/>
+          </p:nvPr>
+        </p:nvSpPr>
+        <p:spPr>
+          <a:xfrm>
+            <a:off x="188555" y="1058"/>
+            <a:ext cx="10371667" cy="826030"/>
+          </a:xfrm>
+        </p:spPr>
+        <p:txBody>
+          <a:bodyPr>
+            <a:normAutofit/>
+          </a:bodyPr>
+          <a:lstStyle/>
+          <a:p>
+            <a:r>
+              <a:rPr lang="en-US" sz="3600" dirty="0">
+                <a:cs typeface="Calibri Light"/>
+              </a:rPr>
+              <a:t>MMSeq2 Clustering Algorithm - </a:t>
+            </a:r>
+            <a:r>
+              <a:rPr lang="en-US" sz="3600" dirty="0" err="1">
+                <a:ea typeface="+mj-lt"/>
+                <a:cs typeface="+mj-lt"/>
+              </a:rPr>
+              <a:t>Linclust</a:t>
+            </a:r>
+            <a:r>
+              <a:rPr lang="en-US" sz="3600" dirty="0">
+                <a:ea typeface="+mj-lt"/>
+                <a:cs typeface="+mj-lt"/>
+              </a:rPr>
+              <a:t> </a:t>
+            </a:r>
+            <a:endParaRPr lang="en-US" sz="3600" dirty="0">
+              <a:cs typeface="Calibri Light"/>
+            </a:endParaRPr>
+          </a:p>
+        </p:txBody>
+      </p:sp>
+      <p:pic>
+        <p:nvPicPr>
+          <p:cNvPr id="4" name="Picture 5" descr="Shape, circle&#10;&#10;Description automatically generated">
+            <a:extLst>
+              <a:ext uri="{FF2B5EF4-FFF2-40B4-BE49-F238E27FC236}">
+                <a16:creationId xmlns:a16="http://schemas.microsoft.com/office/drawing/2014/main" id="{E39B9D4A-B7AB-0FEA-4E3B-609CD423EE68}"/>
+              </a:ext>
+            </a:extLst>
+          </p:cNvPr>
+          <p:cNvPicPr>
+            <a:picLocks noChangeAspect="1"/>
+          </p:cNvPicPr>
+          <p:nvPr/>
+        </p:nvPicPr>
+        <p:blipFill>
+          <a:blip r:embed="rId3"/>
+          <a:stretch>
+            <a:fillRect/>
+          </a:stretch>
+        </p:blipFill>
+        <p:spPr>
+          <a:xfrm>
+            <a:off x="477864" y="1198988"/>
+            <a:ext cx="4602996" cy="1607296"/>
+          </a:xfrm>
+          <a:prstGeom prst="rect">
+            <a:avLst/>
+          </a:prstGeom>
+        </p:spPr>
+      </p:pic>
+      <p:pic>
+        <p:nvPicPr>
+          <p:cNvPr id="6" name="Picture 6" descr="Shape, circle&#10;&#10;Description automatically generated">
+            <a:extLst>
+              <a:ext uri="{FF2B5EF4-FFF2-40B4-BE49-F238E27FC236}">
+                <a16:creationId xmlns:a16="http://schemas.microsoft.com/office/drawing/2014/main" id="{09EDE41A-AEB5-0DFD-E49E-A8EBDDC5BAA3}"/>
+              </a:ext>
+            </a:extLst>
+          </p:cNvPr>
+          <p:cNvPicPr>
+            <a:picLocks noChangeAspect="1"/>
+          </p:cNvPicPr>
+          <p:nvPr/>
+        </p:nvPicPr>
+        <p:blipFill>
+          <a:blip r:embed="rId4"/>
+          <a:stretch>
+            <a:fillRect/>
+          </a:stretch>
+        </p:blipFill>
+        <p:spPr>
+          <a:xfrm>
+            <a:off x="5899688" y="1197386"/>
+            <a:ext cx="4602996" cy="1608955"/>
+          </a:xfrm>
+          <a:prstGeom prst="rect">
+            <a:avLst/>
+          </a:prstGeom>
+        </p:spPr>
+      </p:pic>
+      <p:pic>
+        <p:nvPicPr>
+          <p:cNvPr id="7" name="Picture 7" descr="Shape, circle&#10;&#10;Description automatically generated">
+            <a:extLst>
+              <a:ext uri="{FF2B5EF4-FFF2-40B4-BE49-F238E27FC236}">
+                <a16:creationId xmlns:a16="http://schemas.microsoft.com/office/drawing/2014/main" id="{253AA499-DA1B-315D-6F60-3390073A395D}"/>
+              </a:ext>
+            </a:extLst>
+          </p:cNvPr>
+          <p:cNvPicPr>
+            <a:picLocks noChangeAspect="1"/>
+          </p:cNvPicPr>
+          <p:nvPr/>
+        </p:nvPicPr>
+        <p:blipFill rotWithShape="1">
+          <a:blip r:embed="rId5"/>
+          <a:srcRect l="-174" t="3846" r="49" b="641"/>
+          <a:stretch/>
+        </p:blipFill>
+        <p:spPr>
+          <a:xfrm>
+            <a:off x="5895346" y="3351085"/>
+            <a:ext cx="4595814" cy="1494223"/>
+          </a:xfrm>
+          <a:prstGeom prst="rect">
+            <a:avLst/>
+          </a:prstGeom>
+        </p:spPr>
+      </p:pic>
+      <p:sp>
+        <p:nvSpPr>
+          <p:cNvPr id="8" name="Arrow: Right 7">
+            <a:extLst>
+              <a:ext uri="{FF2B5EF4-FFF2-40B4-BE49-F238E27FC236}">
+                <a16:creationId xmlns:a16="http://schemas.microsoft.com/office/drawing/2014/main" id="{1D90DA44-9ABE-7189-5B8E-C1CC0C5F4807}"/>
+              </a:ext>
+            </a:extLst>
+          </p:cNvPr>
+          <p:cNvSpPr/>
+          <p:nvPr/>
+        </p:nvSpPr>
+        <p:spPr>
+          <a:xfrm>
+            <a:off x="5077270" y="1985564"/>
+            <a:ext cx="981559" cy="490779"/>
+          </a:xfrm>
+          <a:prstGeom prst="rightArrow">
+            <a:avLst/>
+          </a:prstGeom>
+        </p:spPr>
+        <p:style>
+          <a:lnRef idx="2">
+            <a:schemeClr val="accent1">
+              <a:shade val="50000"/>
+            </a:schemeClr>
+          </a:lnRef>
+          <a:fillRef idx="1">
+            <a:schemeClr val="accent1"/>
+          </a:fillRef>
+          <a:effectRef idx="0">
+            <a:schemeClr val="accent1"/>
+          </a:effectRef>
+          <a:fontRef idx="minor">
+            <a:schemeClr val="lt1"/>
+          </a:fontRef>
+        </p:style>
+        <p:txBody>
+          <a:bodyPr rtlCol="0" anchor="ctr"/>
+          <a:lstStyle/>
+          <a:p>
+            <a:pPr algn="ctr"/>
+            <a:endParaRPr lang="en-US"/>
+          </a:p>
+        </p:txBody>
+      </p:sp>
+      <p:sp>
+        <p:nvSpPr>
+          <p:cNvPr id="9" name="Arrow: Bent-Up 8">
+            <a:extLst>
+              <a:ext uri="{FF2B5EF4-FFF2-40B4-BE49-F238E27FC236}">
+                <a16:creationId xmlns:a16="http://schemas.microsoft.com/office/drawing/2014/main" id="{F4463603-B902-A731-1023-BD8A48F2F5D3}"/>
+              </a:ext>
+            </a:extLst>
+          </p:cNvPr>
+          <p:cNvSpPr/>
+          <p:nvPr/>
+        </p:nvSpPr>
+        <p:spPr>
+          <a:xfrm rot="10800000" flipH="1">
+            <a:off x="10850629" y="2069570"/>
+            <a:ext cx="671593" cy="1924372"/>
+          </a:xfrm>
+          <a:prstGeom prst="bentUpArrow">
+            <a:avLst/>
+          </a:prstGeom>
+        </p:spPr>
+        <p:style>
+          <a:lnRef idx="2">
+            <a:schemeClr val="accent1">
+              <a:shade val="50000"/>
+            </a:schemeClr>
+          </a:lnRef>
+          <a:fillRef idx="1">
+            <a:schemeClr val="accent1"/>
+          </a:fillRef>
+          <a:effectRef idx="0">
+            <a:schemeClr val="accent1"/>
+          </a:effectRef>
+          <a:fontRef idx="minor">
+            <a:schemeClr val="lt1"/>
+          </a:fontRef>
+        </p:style>
+        <p:txBody>
+          <a:bodyPr rtlCol="0" anchor="ctr"/>
+          <a:lstStyle/>
+          <a:p>
+            <a:pPr algn="ctr"/>
+            <a:endParaRPr lang="en-US"/>
+          </a:p>
+        </p:txBody>
+      </p:sp>
+      <p:sp>
+        <p:nvSpPr>
+          <p:cNvPr id="10" name="Arrow: Right 9">
+            <a:extLst>
+              <a:ext uri="{FF2B5EF4-FFF2-40B4-BE49-F238E27FC236}">
+                <a16:creationId xmlns:a16="http://schemas.microsoft.com/office/drawing/2014/main" id="{ED039853-5B2C-33B8-A039-78A599FEFA82}"/>
+              </a:ext>
+            </a:extLst>
+          </p:cNvPr>
+          <p:cNvSpPr/>
+          <p:nvPr/>
+        </p:nvSpPr>
+        <p:spPr>
+          <a:xfrm flipH="1">
+            <a:off x="4883540" y="3845360"/>
+            <a:ext cx="968644" cy="555355"/>
+          </a:xfrm>
+          <a:prstGeom prst="rightArrow">
+            <a:avLst/>
+          </a:prstGeom>
+        </p:spPr>
+        <p:style>
+          <a:lnRef idx="2">
+            <a:schemeClr val="accent1">
+              <a:shade val="50000"/>
+            </a:schemeClr>
+          </a:lnRef>
+          <a:fillRef idx="1">
+            <a:schemeClr val="accent1"/>
+          </a:fillRef>
+          <a:effectRef idx="0">
+            <a:schemeClr val="accent1"/>
+          </a:effectRef>
+          <a:fontRef idx="minor">
+            <a:schemeClr val="lt1"/>
+          </a:fontRef>
+        </p:style>
+        <p:txBody>
+          <a:bodyPr rtlCol="0" anchor="ctr"/>
+          <a:lstStyle/>
+          <a:p>
+            <a:pPr algn="ctr"/>
+            <a:endParaRPr lang="en-US"/>
+          </a:p>
+        </p:txBody>
+      </p:sp>
+      <p:pic>
+        <p:nvPicPr>
+          <p:cNvPr id="11" name="Picture 11" descr="Shape, circle&#10;&#10;Description automatically generated">
+            <a:extLst>
+              <a:ext uri="{FF2B5EF4-FFF2-40B4-BE49-F238E27FC236}">
+                <a16:creationId xmlns:a16="http://schemas.microsoft.com/office/drawing/2014/main" id="{0A12C474-3F7C-6507-0CAC-2933A178A783}"/>
+              </a:ext>
+            </a:extLst>
+          </p:cNvPr>
+          <p:cNvPicPr>
+            <a:picLocks noChangeAspect="1"/>
+          </p:cNvPicPr>
+          <p:nvPr/>
+        </p:nvPicPr>
+        <p:blipFill>
+          <a:blip r:embed="rId6"/>
+          <a:stretch>
+            <a:fillRect/>
+          </a:stretch>
+        </p:blipFill>
+        <p:spPr>
+          <a:xfrm>
+            <a:off x="475281" y="3408709"/>
+            <a:ext cx="4254284" cy="1435427"/>
+          </a:xfrm>
+          <a:prstGeom prst="rect">
+            <a:avLst/>
+          </a:prstGeom>
+        </p:spPr>
+      </p:pic>
+      <p:pic>
+        <p:nvPicPr>
+          <p:cNvPr id="12" name="Picture 12" descr="Shape, circle&#10;&#10;Description automatically generated">
+            <a:extLst>
+              <a:ext uri="{FF2B5EF4-FFF2-40B4-BE49-F238E27FC236}">
+                <a16:creationId xmlns:a16="http://schemas.microsoft.com/office/drawing/2014/main" id="{334A43F9-1441-036B-E40D-5E88DECEF831}"/>
+              </a:ext>
+            </a:extLst>
+          </p:cNvPr>
+          <p:cNvPicPr>
+            <a:picLocks noChangeAspect="1"/>
+          </p:cNvPicPr>
+          <p:nvPr/>
+        </p:nvPicPr>
+        <p:blipFill>
+          <a:blip r:embed="rId7"/>
+          <a:stretch>
+            <a:fillRect/>
+          </a:stretch>
+        </p:blipFill>
+        <p:spPr>
+          <a:xfrm>
+            <a:off x="4879383" y="5275008"/>
+            <a:ext cx="4654658" cy="1538661"/>
+          </a:xfrm>
+          <a:prstGeom prst="rect">
+            <a:avLst/>
+          </a:prstGeom>
+        </p:spPr>
+      </p:pic>
+      <p:sp>
+        <p:nvSpPr>
+          <p:cNvPr id="13" name="TextBox 12">
+            <a:extLst>
+              <a:ext uri="{FF2B5EF4-FFF2-40B4-BE49-F238E27FC236}">
+                <a16:creationId xmlns:a16="http://schemas.microsoft.com/office/drawing/2014/main" id="{76EEA478-8267-03E1-095F-6D0D9F8C6603}"/>
+              </a:ext>
+            </a:extLst>
+          </p:cNvPr>
+          <p:cNvSpPr txBox="1"/>
+          <p:nvPr/>
+        </p:nvSpPr>
+        <p:spPr>
+          <a:xfrm>
+            <a:off x="476896" y="825607"/>
+            <a:ext cx="4396350" cy="369332"/>
+          </a:xfrm>
+          <a:prstGeom prst="rect">
+            <a:avLst/>
+          </a:prstGeom>
+          <a:noFill/>
+        </p:spPr>
+        <p:txBody>
+          <a:bodyPr rot="0" spcFirstLastPara="0" vertOverflow="overflow" horzOverflow="overflow" vert="horz" wrap="square" lIns="91440" tIns="45720" rIns="91440" bIns="45720" numCol="1" spcCol="0" rtlCol="0" fromWordArt="0" anchor="t" anchorCtr="0" forceAA="0" compatLnSpc="1">
+            <a:prstTxWarp prst="textNoShape">
+              <a:avLst/>
+            </a:prstTxWarp>
+            <a:spAutoFit/>
+          </a:bodyPr>
+          <a:lstStyle/>
+          <a:p>
+            <a:r>
+              <a:rPr lang="en-US" b="1" dirty="0"/>
+              <a:t>Step: 1 </a:t>
+            </a:r>
+            <a:r>
+              <a:rPr lang="en-US" dirty="0">
+                <a:ea typeface="+mn-lt"/>
+                <a:cs typeface="+mn-lt"/>
+              </a:rPr>
+              <a:t>Group of sequences sharing a k-</a:t>
+            </a:r>
+            <a:r>
+              <a:rPr lang="en-US" dirty="0" err="1">
+                <a:ea typeface="+mn-lt"/>
+                <a:cs typeface="+mn-lt"/>
+              </a:rPr>
+              <a:t>mer</a:t>
+            </a:r>
+            <a:endParaRPr lang="en-US">
+              <a:cs typeface="Calibri"/>
+            </a:endParaRPr>
+          </a:p>
+        </p:txBody>
+      </p:sp>
+      <p:sp>
+        <p:nvSpPr>
+          <p:cNvPr id="14" name="TextBox 13">
+            <a:extLst>
+              <a:ext uri="{FF2B5EF4-FFF2-40B4-BE49-F238E27FC236}">
+                <a16:creationId xmlns:a16="http://schemas.microsoft.com/office/drawing/2014/main" id="{8F13121A-8ED4-934A-74BC-31480EABAE69}"/>
+              </a:ext>
+            </a:extLst>
+          </p:cNvPr>
+          <p:cNvSpPr txBox="1"/>
+          <p:nvPr/>
+        </p:nvSpPr>
+        <p:spPr>
+          <a:xfrm>
+            <a:off x="6095030" y="825606"/>
+            <a:ext cx="5300418" cy="369332"/>
+          </a:xfrm>
+          <a:prstGeom prst="rect">
+            <a:avLst/>
+          </a:prstGeom>
+          <a:noFill/>
+        </p:spPr>
+        <p:txBody>
+          <a:bodyPr rot="0" spcFirstLastPara="0" vertOverflow="overflow" horzOverflow="overflow" vert="horz" wrap="square" lIns="91440" tIns="45720" rIns="91440" bIns="45720" numCol="1" spcCol="0" rtlCol="0" fromWordArt="0" anchor="t" anchorCtr="0" forceAA="0" compatLnSpc="1">
+            <a:prstTxWarp prst="textNoShape">
+              <a:avLst/>
+            </a:prstTxWarp>
+            <a:spAutoFit/>
+          </a:bodyPr>
+          <a:lstStyle/>
+          <a:p>
+            <a:r>
+              <a:rPr lang="en-US" b="1" dirty="0">
+                <a:ea typeface="+mn-lt"/>
+                <a:cs typeface="+mn-lt"/>
+              </a:rPr>
+              <a:t>Step: 2 </a:t>
+            </a:r>
+            <a:r>
+              <a:rPr lang="en-US" dirty="0">
+                <a:ea typeface="+mn-lt"/>
+                <a:cs typeface="+mn-lt"/>
+              </a:rPr>
+              <a:t>Select longest sequence per group as center</a:t>
+            </a:r>
+          </a:p>
+        </p:txBody>
+      </p:sp>
+      <p:sp>
+        <p:nvSpPr>
+          <p:cNvPr id="15" name="TextBox 14">
+            <a:extLst>
+              <a:ext uri="{FF2B5EF4-FFF2-40B4-BE49-F238E27FC236}">
+                <a16:creationId xmlns:a16="http://schemas.microsoft.com/office/drawing/2014/main" id="{3E03C824-5881-9DFE-C13D-FD2F8471B195}"/>
+              </a:ext>
+            </a:extLst>
+          </p:cNvPr>
+          <p:cNvSpPr txBox="1"/>
+          <p:nvPr/>
+        </p:nvSpPr>
+        <p:spPr>
+          <a:xfrm>
+            <a:off x="5539673" y="2840385"/>
+            <a:ext cx="5687875" cy="369332"/>
+          </a:xfrm>
+          <a:prstGeom prst="rect">
+            <a:avLst/>
+          </a:prstGeom>
+          <a:noFill/>
+        </p:spPr>
+        <p:txBody>
+          <a:bodyPr rot="0" spcFirstLastPara="0" vertOverflow="overflow" horzOverflow="overflow" vert="horz" wrap="square" lIns="91440" tIns="45720" rIns="91440" bIns="45720" numCol="1" spcCol="0" rtlCol="0" fromWordArt="0" anchor="t" anchorCtr="0" forceAA="0" compatLnSpc="1">
+            <a:prstTxWarp prst="textNoShape">
+              <a:avLst/>
+            </a:prstTxWarp>
+            <a:spAutoFit/>
+          </a:bodyPr>
+          <a:lstStyle/>
+          <a:p>
+            <a:r>
+              <a:rPr lang="en-US" b="1" dirty="0">
+                <a:ea typeface="+mn-lt"/>
+                <a:cs typeface="+mn-lt"/>
+              </a:rPr>
+              <a:t>Step: 3 </a:t>
+            </a:r>
+            <a:r>
+              <a:rPr lang="en-US" dirty="0">
+                <a:ea typeface="+mn-lt"/>
+                <a:cs typeface="+mn-lt"/>
+              </a:rPr>
+              <a:t>Compare each sequence in group only with center</a:t>
+            </a:r>
+          </a:p>
+        </p:txBody>
+      </p:sp>
+      <p:sp>
+        <p:nvSpPr>
+          <p:cNvPr id="18" name="TextBox 17">
+            <a:extLst>
+              <a:ext uri="{FF2B5EF4-FFF2-40B4-BE49-F238E27FC236}">
+                <a16:creationId xmlns:a16="http://schemas.microsoft.com/office/drawing/2014/main" id="{1E3646DB-0EA6-BEB8-822B-6E7649E354C1}"/>
+              </a:ext>
+            </a:extLst>
+          </p:cNvPr>
+          <p:cNvSpPr txBox="1"/>
+          <p:nvPr/>
+        </p:nvSpPr>
+        <p:spPr>
+          <a:xfrm>
+            <a:off x="179841" y="2814554"/>
+            <a:ext cx="5106689" cy="646331"/>
+          </a:xfrm>
+          <a:prstGeom prst="rect">
+            <a:avLst/>
+          </a:prstGeom>
+          <a:noFill/>
+        </p:spPr>
+        <p:txBody>
+          <a:bodyPr rot="0" spcFirstLastPara="0" vertOverflow="overflow" horzOverflow="overflow" vert="horz" wrap="square" lIns="91440" tIns="45720" rIns="91440" bIns="45720" numCol="1" spcCol="0" rtlCol="0" fromWordArt="0" anchor="t" anchorCtr="0" forceAA="0" compatLnSpc="1">
+            <a:prstTxWarp prst="textNoShape">
+              <a:avLst/>
+            </a:prstTxWarp>
+            <a:spAutoFit/>
+          </a:bodyPr>
+          <a:lstStyle/>
+          <a:p>
+            <a:r>
+              <a:rPr lang="en-US" b="1" dirty="0">
+                <a:ea typeface="+mn-lt"/>
+                <a:cs typeface="+mn-lt"/>
+              </a:rPr>
+              <a:t>Step: 4 </a:t>
+            </a:r>
+            <a:r>
+              <a:rPr lang="en-US" dirty="0">
+                <a:ea typeface="+mn-lt"/>
+                <a:cs typeface="+mn-lt"/>
+              </a:rPr>
+              <a:t>Sequence pairs that satisfy the clustering criteria are linked by an edge</a:t>
+            </a:r>
+          </a:p>
+        </p:txBody>
+      </p:sp>
+      <p:sp>
+        <p:nvSpPr>
+          <p:cNvPr id="19" name="Arrow: Bent-Up 18">
+            <a:extLst>
+              <a:ext uri="{FF2B5EF4-FFF2-40B4-BE49-F238E27FC236}">
+                <a16:creationId xmlns:a16="http://schemas.microsoft.com/office/drawing/2014/main" id="{AC3BB406-D804-5566-7565-A7587BCBCEA3}"/>
+              </a:ext>
+            </a:extLst>
+          </p:cNvPr>
+          <p:cNvSpPr/>
+          <p:nvPr/>
+        </p:nvSpPr>
+        <p:spPr>
+          <a:xfrm rot="5400000">
+            <a:off x="3664320" y="4989378"/>
+            <a:ext cx="981559" cy="1136544"/>
+          </a:xfrm>
+          <a:prstGeom prst="bentUpArrow">
+            <a:avLst/>
+          </a:prstGeom>
+        </p:spPr>
+        <p:style>
+          <a:lnRef idx="2">
+            <a:schemeClr val="accent1">
+              <a:shade val="50000"/>
+            </a:schemeClr>
+          </a:lnRef>
+          <a:fillRef idx="1">
+            <a:schemeClr val="accent1"/>
+          </a:fillRef>
+          <a:effectRef idx="0">
+            <a:schemeClr val="accent1"/>
+          </a:effectRef>
+          <a:fontRef idx="minor">
+            <a:schemeClr val="lt1"/>
+          </a:fontRef>
+        </p:style>
+        <p:txBody>
+          <a:bodyPr rtlCol="0" anchor="ctr"/>
+          <a:lstStyle/>
+          <a:p>
+            <a:pPr algn="ctr"/>
+            <a:endParaRPr lang="en-US"/>
+          </a:p>
+        </p:txBody>
+      </p:sp>
+      <p:sp>
+        <p:nvSpPr>
+          <p:cNvPr id="20" name="TextBox 19">
+            <a:extLst>
+              <a:ext uri="{FF2B5EF4-FFF2-40B4-BE49-F238E27FC236}">
+                <a16:creationId xmlns:a16="http://schemas.microsoft.com/office/drawing/2014/main" id="{ABA82FEC-28D8-3AF8-B507-928194094585}"/>
+              </a:ext>
+            </a:extLst>
+          </p:cNvPr>
+          <p:cNvSpPr txBox="1"/>
+          <p:nvPr/>
+        </p:nvSpPr>
+        <p:spPr>
+          <a:xfrm>
+            <a:off x="4969790" y="4905213"/>
+            <a:ext cx="5881606" cy="338554"/>
+          </a:xfrm>
+          <a:prstGeom prst="rect">
+            <a:avLst/>
+          </a:prstGeom>
+          <a:noFill/>
+        </p:spPr>
+        <p:txBody>
+          <a:bodyPr rot="0" spcFirstLastPara="0" vertOverflow="overflow" horzOverflow="overflow" vert="horz" wrap="square" lIns="91440" tIns="45720" rIns="91440" bIns="45720" numCol="1" spcCol="0" rtlCol="0" fromWordArt="0" anchor="t" anchorCtr="0" forceAA="0" compatLnSpc="1">
+            <a:prstTxWarp prst="textNoShape">
+              <a:avLst/>
+            </a:prstTxWarp>
+            <a:spAutoFit/>
+          </a:bodyPr>
+          <a:lstStyle/>
+          <a:p>
+            <a:r>
+              <a:rPr lang="en-US" sz="1600" b="1" dirty="0">
+                <a:latin typeface="Arial"/>
+                <a:cs typeface="Arial"/>
+              </a:rPr>
+              <a:t>Step: 5 </a:t>
+            </a:r>
+            <a:r>
+              <a:rPr lang="en-US" sz="1600" dirty="0">
+                <a:latin typeface="Arial"/>
+                <a:cs typeface="Arial"/>
+              </a:rPr>
+              <a:t>Cluster with greedy incremental algorithm</a:t>
+            </a:r>
+            <a:endParaRPr lang="en-US" sz="1600">
+              <a:cs typeface="Calibri"/>
+            </a:endParaRPr>
+          </a:p>
+        </p:txBody>
+      </p:sp>
+    </p:spTree>
+    <p:extLst>
+      <p:ext uri="{BB962C8B-B14F-4D97-AF65-F5344CB8AC3E}">
+        <p14:creationId xmlns:p14="http://schemas.microsoft.com/office/powerpoint/2010/main" val="2763516093"/>
+      </p:ext>
+    </p:extLst>
+  </p:cSld>
+  <p:clrMapOvr>
+    <a:masterClrMapping/>
+  </p:clrMapOvr>
+</p:sld>
+</file>
+
+<file path=ppt/slides/slide9.xml><?xml version="1.0" encoding="utf-8"?>
+<p:sld xmlns:a="http://schemas.openxmlformats.org/drawingml/2006/main" xmlns:r="http://schemas.openxmlformats.org/officeDocument/2006/relationships" xmlns:p="http://schemas.openxmlformats.org/presentationml/2006/main">
+  <p:cSld>
+    <p:spTree>
+      <p:nvGrpSpPr>
+        <p:cNvPr id="1" name=""/>
+        <p:cNvGrpSpPr/>
+        <p:nvPr/>
+      </p:nvGrpSpPr>
+      <p:grpSpPr>
+        <a:xfrm>
+          <a:off x="0" y="0"/>
+          <a:ext cx="0" cy="0"/>
+          <a:chOff x="0" y="0"/>
+          <a:chExt cx="0" cy="0"/>
+        </a:xfrm>
+      </p:grpSpPr>
+      <p:sp>
+        <p:nvSpPr>
+          <p:cNvPr id="2" name="Title 1">
+            <a:extLst>
+              <a:ext uri="{FF2B5EF4-FFF2-40B4-BE49-F238E27FC236}">
                 <a16:creationId xmlns:a16="http://schemas.microsoft.com/office/drawing/2014/main" id="{76A502A9-0B5D-C09D-87AA-52A2958895AD}"/>
               </a:ext>
             </a:extLst>
@@ -15914,276 +17002,6 @@
     <p:extLst>
       <p:ext uri="{BB962C8B-B14F-4D97-AF65-F5344CB8AC3E}">
         <p14:creationId xmlns:p14="http://schemas.microsoft.com/office/powerpoint/2010/main" val="1867944967"/>
-      </p:ext>
-    </p:extLst>
-  </p:cSld>
-  <p:clrMapOvr>
-    <a:masterClrMapping/>
-  </p:clrMapOvr>
-</p:sld>
-</file>
-
-<file path=ppt/slides/slide9.xml><?xml version="1.0" encoding="utf-8"?>
-<p:sld xmlns:a="http://schemas.openxmlformats.org/drawingml/2006/main" xmlns:r="http://schemas.openxmlformats.org/officeDocument/2006/relationships" xmlns:p="http://schemas.openxmlformats.org/presentationml/2006/main">
-  <p:cSld>
-    <p:spTree>
-      <p:nvGrpSpPr>
-        <p:cNvPr id="1" name=""/>
-        <p:cNvGrpSpPr/>
-        <p:nvPr/>
-      </p:nvGrpSpPr>
-      <p:grpSpPr>
-        <a:xfrm>
-          <a:off x="0" y="0"/>
-          <a:ext cx="0" cy="0"/>
-          <a:chOff x="0" y="0"/>
-          <a:chExt cx="0" cy="0"/>
-        </a:xfrm>
-      </p:grpSpPr>
-      <p:sp>
-        <p:nvSpPr>
-          <p:cNvPr id="2" name="Title 1">
-            <a:extLst>
-              <a:ext uri="{FF2B5EF4-FFF2-40B4-BE49-F238E27FC236}">
-                <a16:creationId xmlns:a16="http://schemas.microsoft.com/office/drawing/2014/main" id="{2FA786A8-F646-3323-C453-4CCD433A0C05}"/>
-              </a:ext>
-            </a:extLst>
-          </p:cNvPr>
-          <p:cNvSpPr>
-            <a:spLocks noGrp="1"/>
-          </p:cNvSpPr>
-          <p:nvPr>
-            <p:ph type="title"/>
-          </p:nvPr>
-        </p:nvSpPr>
-        <p:spPr/>
-        <p:txBody>
-          <a:bodyPr/>
-          <a:lstStyle/>
-          <a:p>
-            <a:r>
-              <a:rPr lang="en-US">
-                <a:cs typeface="Calibri Light"/>
-              </a:rPr>
-              <a:t>Clustering Metrics: Rand Index</a:t>
-            </a:r>
-            <a:endParaRPr lang="en-US"/>
-          </a:p>
-        </p:txBody>
-      </p:sp>
-      <p:sp>
-        <p:nvSpPr>
-          <p:cNvPr id="3" name="Content Placeholder 2">
-            <a:extLst>
-              <a:ext uri="{FF2B5EF4-FFF2-40B4-BE49-F238E27FC236}">
-                <a16:creationId xmlns:a16="http://schemas.microsoft.com/office/drawing/2014/main" id="{703E5ABB-A7A9-E7DA-74B2-086787AE1F75}"/>
-              </a:ext>
-            </a:extLst>
-          </p:cNvPr>
-          <p:cNvSpPr>
-            <a:spLocks noGrp="1"/>
-          </p:cNvSpPr>
-          <p:nvPr>
-            <p:ph idx="1"/>
-          </p:nvPr>
-        </p:nvSpPr>
-        <p:spPr>
-          <a:xfrm>
-            <a:off x="838200" y="1825625"/>
-            <a:ext cx="10515600" cy="4612022"/>
-          </a:xfrm>
-        </p:spPr>
-        <p:txBody>
-          <a:bodyPr vert="horz" lIns="91440" tIns="45720" rIns="91440" bIns="45720" rtlCol="0" anchor="t">
-            <a:normAutofit/>
-          </a:bodyPr>
-          <a:lstStyle/>
-          <a:p>
-            <a:pPr marL="457200" indent="-457200"/>
-            <a:r>
-              <a:rPr lang="en-US">
-                <a:cs typeface="Calibri"/>
-              </a:rPr>
-              <a:t>Measures the similarity between two subsets</a:t>
-            </a:r>
-          </a:p>
-          <a:p>
-            <a:pPr marL="457200" indent="-457200"/>
-            <a:r>
-              <a:rPr lang="en-US">
-                <a:cs typeface="Calibri"/>
-              </a:rPr>
-              <a:t>Used to compare labels of </a:t>
-            </a:r>
-            <a:r>
-              <a:rPr lang="en-US" err="1">
-                <a:cs typeface="Calibri"/>
-              </a:rPr>
-              <a:t>clusterings</a:t>
-            </a:r>
-            <a:endParaRPr lang="en-US" err="1">
-              <a:ea typeface="Calibri"/>
-              <a:cs typeface="Calibri"/>
-            </a:endParaRPr>
-          </a:p>
-          <a:p>
-            <a:pPr marL="457200" indent="-457200"/>
-            <a:r>
-              <a:rPr lang="en-US">
-                <a:cs typeface="Calibri"/>
-              </a:rPr>
-              <a:t>Formula:</a:t>
-            </a:r>
-            <a:endParaRPr lang="en-US"/>
-          </a:p>
-          <a:p>
-            <a:pPr lvl="1"/>
-            <a:endParaRPr lang="en-US">
-              <a:cs typeface="Calibri"/>
-            </a:endParaRPr>
-          </a:p>
-          <a:p>
-            <a:pPr marL="457200" lvl="1" indent="0">
-              <a:buNone/>
-            </a:pPr>
-            <a:endParaRPr lang="en-US">
-              <a:cs typeface="Calibri"/>
-            </a:endParaRPr>
-          </a:p>
-          <a:p>
-            <a:pPr marL="457200" lvl="1" indent="0">
-              <a:buNone/>
-            </a:pPr>
-            <a:endParaRPr lang="en-US">
-              <a:cs typeface="Calibri"/>
-            </a:endParaRPr>
-          </a:p>
-          <a:p>
-            <a:pPr marL="457200" lvl="1" indent="0">
-              <a:buNone/>
-            </a:pPr>
-            <a:r>
-              <a:rPr lang="en-US">
-                <a:cs typeface="Calibri"/>
-              </a:rPr>
-              <a:t>Where:</a:t>
-            </a:r>
-            <a:endParaRPr lang="en-US">
-              <a:ea typeface="Calibri"/>
-              <a:cs typeface="Calibri"/>
-            </a:endParaRPr>
-          </a:p>
-          <a:p>
-            <a:pPr lvl="2"/>
-            <a:r>
-              <a:rPr lang="en-US">
-                <a:cs typeface="Calibri"/>
-              </a:rPr>
-              <a:t>a is the number of pairs that are the same in both clusters X and Y  (true positive)</a:t>
-            </a:r>
-            <a:endParaRPr lang="en-US">
-              <a:ea typeface="Calibri"/>
-              <a:cs typeface="Calibri"/>
-            </a:endParaRPr>
-          </a:p>
-          <a:p>
-            <a:pPr lvl="2"/>
-            <a:r>
-              <a:rPr lang="en-US">
-                <a:cs typeface="Calibri"/>
-              </a:rPr>
-              <a:t>b is the number of pairs that are same in both X and Y and of a different cluster than a (true negative)</a:t>
-            </a:r>
-            <a:endParaRPr lang="en-US">
-              <a:ea typeface="Calibri"/>
-              <a:cs typeface="Calibri"/>
-            </a:endParaRPr>
-          </a:p>
-          <a:p>
-            <a:pPr lvl="2"/>
-            <a:r>
-              <a:rPr lang="en-US">
-                <a:cs typeface="Calibri"/>
-              </a:rPr>
-              <a:t>n is the number of samples,          is number of possible pairs</a:t>
-            </a:r>
-            <a:endParaRPr lang="en-US">
-              <a:ea typeface="Calibri"/>
-              <a:cs typeface="Calibri"/>
-            </a:endParaRPr>
-          </a:p>
-          <a:p>
-            <a:pPr lvl="2"/>
-            <a:endParaRPr lang="en-US">
-              <a:cs typeface="Calibri"/>
-            </a:endParaRPr>
-          </a:p>
-        </p:txBody>
-      </p:sp>
-      <p:pic>
-        <p:nvPicPr>
-          <p:cNvPr id="6" name="Picture 6" descr="Text, letter&#10;&#10;Description automatically generated">
-            <a:extLst>
-              <a:ext uri="{FF2B5EF4-FFF2-40B4-BE49-F238E27FC236}">
-                <a16:creationId xmlns:a16="http://schemas.microsoft.com/office/drawing/2014/main" id="{E5EA1D53-1134-95E1-6DAC-2A7A4A60B2DD}"/>
-              </a:ext>
-            </a:extLst>
-          </p:cNvPr>
-          <p:cNvPicPr>
-            <a:picLocks noChangeAspect="1"/>
-          </p:cNvPicPr>
-          <p:nvPr/>
-        </p:nvPicPr>
-        <p:blipFill>
-          <a:blip r:embed="rId2"/>
-          <a:stretch>
-            <a:fillRect/>
-          </a:stretch>
-        </p:blipFill>
-        <p:spPr>
-          <a:xfrm>
-            <a:off x="4976813" y="3652838"/>
-            <a:ext cx="2238375" cy="695325"/>
-          </a:xfrm>
-          <a:prstGeom prst="rect">
-            <a:avLst/>
-          </a:prstGeom>
-        </p:spPr>
-      </p:pic>
-      <p:pic>
-        <p:nvPicPr>
-          <p:cNvPr id="8" name="Picture 8">
-            <a:extLst>
-              <a:ext uri="{FF2B5EF4-FFF2-40B4-BE49-F238E27FC236}">
-                <a16:creationId xmlns:a16="http://schemas.microsoft.com/office/drawing/2014/main" id="{00DAB779-7B71-2B7B-21DC-B79E71103AF2}"/>
-              </a:ext>
-            </a:extLst>
-          </p:cNvPr>
-          <p:cNvPicPr>
-            <a:picLocks noChangeAspect="1"/>
-          </p:cNvPicPr>
-          <p:nvPr/>
-        </p:nvPicPr>
-        <p:blipFill>
-          <a:blip r:embed="rId3"/>
-          <a:stretch>
-            <a:fillRect/>
-          </a:stretch>
-        </p:blipFill>
-        <p:spPr>
-          <a:xfrm>
-            <a:off x="4974055" y="5829801"/>
-            <a:ext cx="419100" cy="552450"/>
-          </a:xfrm>
-          <a:prstGeom prst="rect">
-            <a:avLst/>
-          </a:prstGeom>
-        </p:spPr>
-      </p:pic>
-    </p:spTree>
-    <p:extLst>
-      <p:ext uri="{BB962C8B-B14F-4D97-AF65-F5344CB8AC3E}">
-        <p14:creationId xmlns:p14="http://schemas.microsoft.com/office/powerpoint/2010/main" val="511502785"/>
       </p:ext>
     </p:extLst>
   </p:cSld>
@@ -16750,6 +17568,15 @@
 </file>
 
 <file path=customXml/item1.xml><?xml version="1.0" encoding="utf-8"?>
+<?mso-contentType ?>
+<FormTemplates xmlns="http://schemas.microsoft.com/sharepoint/v3/contenttype/forms">
+  <Display>DocumentLibraryForm</Display>
+  <Edit>DocumentLibraryForm</Edit>
+  <New>DocumentLibraryForm</New>
+</FormTemplates>
+</file>
+
+<file path=customXml/item2.xml><?xml version="1.0" encoding="utf-8"?>
 <ct:contentTypeSchema xmlns:ct="http://schemas.microsoft.com/office/2006/metadata/contentType" xmlns:ma="http://schemas.microsoft.com/office/2006/metadata/properties/metaAttributes" ct:_="" ma:_="" ma:contentTypeName="Document" ma:contentTypeID="0x010100EBF5ABBF6F5F0F459218DEAA742A319C" ma:contentTypeVersion="4" ma:contentTypeDescription="Create a new document." ma:contentTypeScope="" ma:versionID="7eb0725138435fd5ec02daa70fe21e9d">
   <xsd:schema xmlns:xsd="http://www.w3.org/2001/XMLSchema" xmlns:xs="http://www.w3.org/2001/XMLSchema" xmlns:p="http://schemas.microsoft.com/office/2006/metadata/properties" xmlns:ns2="44863786-bc2c-4726-88c8-1a4177c2604b" xmlns:ns3="40f99a72-1021-41f8-938d-fdb1da7f4156" targetNamespace="http://schemas.microsoft.com/office/2006/metadata/properties" ma:root="true" ma:fieldsID="20666c50ec183d7880495979024d1056" ns2:_="" ns3:_="">
     <xsd:import namespace="44863786-bc2c-4726-88c8-1a4177c2604b"/>
@@ -16914,15 +17741,6 @@
 </ct:contentTypeSchema>
 </file>
 
-<file path=customXml/item2.xml><?xml version="1.0" encoding="utf-8"?>
-<?mso-contentType ?>
-<FormTemplates xmlns="http://schemas.microsoft.com/sharepoint/v3/contenttype/forms">
-  <Display>DocumentLibraryForm</Display>
-  <Edit>DocumentLibraryForm</Edit>
-  <New>DocumentLibraryForm</New>
-</FormTemplates>
-</file>
-
 <file path=customXml/item3.xml><?xml version="1.0" encoding="utf-8"?>
 <p:properties xmlns:p="http://schemas.microsoft.com/office/2006/metadata/properties" xmlns:xsi="http://www.w3.org/2001/XMLSchema-instance" xmlns:pc="http://schemas.microsoft.com/office/infopath/2007/PartnerControls">
   <documentManagement>
@@ -16943,6 +17761,14 @@
 </file>
 
 <file path=customXml/itemProps1.xml><?xml version="1.0" encoding="utf-8"?>
+<ds:datastoreItem xmlns:ds="http://schemas.openxmlformats.org/officeDocument/2006/customXml" ds:itemID="{074D2DC9-EDC8-431C-826B-E2E56A2A6C14}">
+  <ds:schemaRefs>
+    <ds:schemaRef ds:uri="http://schemas.microsoft.com/sharepoint/v3/contenttype/forms"/>
+  </ds:schemaRefs>
+</ds:datastoreItem>
+</file>
+
+<file path=customXml/itemProps2.xml><?xml version="1.0" encoding="utf-8"?>
 <ds:datastoreItem xmlns:ds="http://schemas.openxmlformats.org/officeDocument/2006/customXml" ds:itemID="{496B4A9F-8DA9-4841-924E-1FC73E80B596}">
   <ds:schemaRefs>
     <ds:schemaRef ds:uri="40f99a72-1021-41f8-938d-fdb1da7f4156"/>
@@ -16957,14 +17783,6 @@
     <ds:schemaRef ds:uri="http://schemas.microsoft.com/office/infopath/2007/PartnerControls"/>
     <ds:schemaRef ds:uri="http://schemas.openxmlformats.org/package/2006/metadata/core-properties"/>
     <ds:schemaRef ds:uri="http://www.w3.org/2001/XMLSchema"/>
-  </ds:schemaRefs>
-</ds:datastoreItem>
-</file>
-
-<file path=customXml/itemProps2.xml><?xml version="1.0" encoding="utf-8"?>
-<ds:datastoreItem xmlns:ds="http://schemas.openxmlformats.org/officeDocument/2006/customXml" ds:itemID="{074D2DC9-EDC8-431C-826B-E2E56A2A6C14}">
-  <ds:schemaRefs>
-    <ds:schemaRef ds:uri="http://schemas.microsoft.com/sharepoint/v3/contenttype/forms"/>
   </ds:schemaRefs>
 </ds:datastoreItem>
 </file>
